--- a/BaoCaoKLTN.pptx
+++ b/BaoCaoKLTN.pptx
@@ -20,13 +20,14 @@
     <p:sldId id="261" r:id="rId14"/>
     <p:sldId id="263" r:id="rId15"/>
     <p:sldId id="264" r:id="rId16"/>
-    <p:sldId id="281" r:id="rId17"/>
-    <p:sldId id="265" r:id="rId18"/>
-    <p:sldId id="266" r:id="rId19"/>
-    <p:sldId id="267" r:id="rId20"/>
-    <p:sldId id="271" r:id="rId21"/>
-    <p:sldId id="268" r:id="rId22"/>
-    <p:sldId id="280" r:id="rId23"/>
+    <p:sldId id="282" r:id="rId17"/>
+    <p:sldId id="281" r:id="rId18"/>
+    <p:sldId id="265" r:id="rId19"/>
+    <p:sldId id="266" r:id="rId20"/>
+    <p:sldId id="267" r:id="rId21"/>
+    <p:sldId id="271" r:id="rId22"/>
+    <p:sldId id="268" r:id="rId23"/>
+    <p:sldId id="280" r:id="rId24"/>
   </p:sldIdLst>
   <p:sldSz cx="12192000" cy="6858000"/>
   <p:notesSz cx="6858000" cy="9144000"/>
@@ -855,7 +856,7 @@
           <a:p>
             <a:fld id="{E8E7D6E8-6FD7-41EE-9C8E-72620C8DB322}" type="datetimeFigureOut">
               <a:rPr lang="en-US" smtClean="0"/>
-              <a:t>07/03/2020</a:t>
+              <a:t>07/13/2020</a:t>
             </a:fld>
             <a:endParaRPr lang="en-US"/>
           </a:p>
@@ -1106,7 +1107,7 @@
           <a:p>
             <a:fld id="{E8E7D6E8-6FD7-41EE-9C8E-72620C8DB322}" type="datetimeFigureOut">
               <a:rPr lang="en-US" smtClean="0"/>
-              <a:t>07/03/2020</a:t>
+              <a:t>07/13/2020</a:t>
             </a:fld>
             <a:endParaRPr lang="en-US"/>
           </a:p>
@@ -1420,7 +1421,7 @@
           <a:p>
             <a:fld id="{E8E7D6E8-6FD7-41EE-9C8E-72620C8DB322}" type="datetimeFigureOut">
               <a:rPr lang="en-US" smtClean="0"/>
-              <a:t>07/03/2020</a:t>
+              <a:t>07/13/2020</a:t>
             </a:fld>
             <a:endParaRPr lang="en-US"/>
           </a:p>
@@ -1761,7 +1762,7 @@
           <a:p>
             <a:fld id="{E8E7D6E8-6FD7-41EE-9C8E-72620C8DB322}" type="datetimeFigureOut">
               <a:rPr lang="en-US" smtClean="0"/>
-              <a:t>07/03/2020</a:t>
+              <a:t>07/13/2020</a:t>
             </a:fld>
             <a:endParaRPr lang="en-US"/>
           </a:p>
@@ -2075,7 +2076,7 @@
           <a:p>
             <a:fld id="{E8E7D6E8-6FD7-41EE-9C8E-72620C8DB322}" type="datetimeFigureOut">
               <a:rPr lang="en-US" smtClean="0"/>
-              <a:t>07/03/2020</a:t>
+              <a:t>07/13/2020</a:t>
             </a:fld>
             <a:endParaRPr lang="en-US"/>
           </a:p>
@@ -2468,7 +2469,7 @@
           <a:p>
             <a:fld id="{E8E7D6E8-6FD7-41EE-9C8E-72620C8DB322}" type="datetimeFigureOut">
               <a:rPr lang="en-US" smtClean="0"/>
-              <a:t>07/03/2020</a:t>
+              <a:t>07/13/2020</a:t>
             </a:fld>
             <a:endParaRPr lang="en-US"/>
           </a:p>
@@ -2638,7 +2639,7 @@
           <a:p>
             <a:fld id="{E8E7D6E8-6FD7-41EE-9C8E-72620C8DB322}" type="datetimeFigureOut">
               <a:rPr lang="en-US" smtClean="0"/>
-              <a:t>07/03/2020</a:t>
+              <a:t>07/13/2020</a:t>
             </a:fld>
             <a:endParaRPr lang="en-US"/>
           </a:p>
@@ -2818,7 +2819,7 @@
           <a:p>
             <a:fld id="{E8E7D6E8-6FD7-41EE-9C8E-72620C8DB322}" type="datetimeFigureOut">
               <a:rPr lang="en-US" smtClean="0"/>
-              <a:t>07/03/2020</a:t>
+              <a:t>07/13/2020</a:t>
             </a:fld>
             <a:endParaRPr lang="en-US"/>
           </a:p>
@@ -2994,7 +2995,7 @@
           <a:p>
             <a:fld id="{E8E7D6E8-6FD7-41EE-9C8E-72620C8DB322}" type="datetimeFigureOut">
               <a:rPr lang="en-US" smtClean="0"/>
-              <a:t>07/03/2020</a:t>
+              <a:t>07/13/2020</a:t>
             </a:fld>
             <a:endParaRPr lang="en-US"/>
           </a:p>
@@ -3241,7 +3242,7 @@
           <a:p>
             <a:fld id="{E8E7D6E8-6FD7-41EE-9C8E-72620C8DB322}" type="datetimeFigureOut">
               <a:rPr lang="en-US" smtClean="0"/>
-              <a:t>07/03/2020</a:t>
+              <a:t>07/13/2020</a:t>
             </a:fld>
             <a:endParaRPr lang="en-US"/>
           </a:p>
@@ -3473,7 +3474,7 @@
           <a:p>
             <a:fld id="{E8E7D6E8-6FD7-41EE-9C8E-72620C8DB322}" type="datetimeFigureOut">
               <a:rPr lang="en-US" smtClean="0"/>
-              <a:t>07/03/2020</a:t>
+              <a:t>07/13/2020</a:t>
             </a:fld>
             <a:endParaRPr lang="en-US"/>
           </a:p>
@@ -3847,7 +3848,7 @@
           <a:p>
             <a:fld id="{E8E7D6E8-6FD7-41EE-9C8E-72620C8DB322}" type="datetimeFigureOut">
               <a:rPr lang="en-US" smtClean="0"/>
-              <a:t>07/03/2020</a:t>
+              <a:t>07/13/2020</a:t>
             </a:fld>
             <a:endParaRPr lang="en-US"/>
           </a:p>
@@ -3970,7 +3971,7 @@
           <a:p>
             <a:fld id="{E8E7D6E8-6FD7-41EE-9C8E-72620C8DB322}" type="datetimeFigureOut">
               <a:rPr lang="en-US" smtClean="0"/>
-              <a:t>07/03/2020</a:t>
+              <a:t>07/13/2020</a:t>
             </a:fld>
             <a:endParaRPr lang="en-US"/>
           </a:p>
@@ -4065,7 +4066,7 @@
           <a:p>
             <a:fld id="{E8E7D6E8-6FD7-41EE-9C8E-72620C8DB322}" type="datetimeFigureOut">
               <a:rPr lang="en-US" smtClean="0"/>
-              <a:t>07/03/2020</a:t>
+              <a:t>07/13/2020</a:t>
             </a:fld>
             <a:endParaRPr lang="en-US"/>
           </a:p>
@@ -4320,7 +4321,7 @@
           <a:p>
             <a:fld id="{E8E7D6E8-6FD7-41EE-9C8E-72620C8DB322}" type="datetimeFigureOut">
               <a:rPr lang="en-US" smtClean="0"/>
-              <a:t>07/03/2020</a:t>
+              <a:t>07/13/2020</a:t>
             </a:fld>
             <a:endParaRPr lang="en-US"/>
           </a:p>
@@ -4583,7 +4584,7 @@
           <a:p>
             <a:fld id="{E8E7D6E8-6FD7-41EE-9C8E-72620C8DB322}" type="datetimeFigureOut">
               <a:rPr lang="en-US" smtClean="0"/>
-              <a:t>07/03/2020</a:t>
+              <a:t>07/13/2020</a:t>
             </a:fld>
             <a:endParaRPr lang="en-US"/>
           </a:p>
@@ -5326,7 +5327,7 @@
           <a:p>
             <a:fld id="{E8E7D6E8-6FD7-41EE-9C8E-72620C8DB322}" type="datetimeFigureOut">
               <a:rPr lang="en-US" smtClean="0"/>
-              <a:t>07/03/2020</a:t>
+              <a:t>07/13/2020</a:t>
             </a:fld>
             <a:endParaRPr lang="en-US"/>
           </a:p>
@@ -6689,11 +6690,11 @@
   <p:clrMapOvr>
     <a:masterClrMapping/>
   </p:clrMapOvr>
-  <mc:AlternateContent xmlns:mc="http://schemas.openxmlformats.org/markup-compatibility/2006">
-    <mc:Choice xmlns:p14="http://schemas.microsoft.com/office/powerpoint/2010/main" Requires="p14">
+  <mc:AlternateContent xmlns:mc="http://schemas.openxmlformats.org/markup-compatibility/2006" xmlns:p14="http://schemas.microsoft.com/office/powerpoint/2010/main">
+    <mc:Choice Requires="p14">
       <p:transition spd="slow" p14:dur="2000"/>
     </mc:Choice>
-    <mc:Fallback>
+    <mc:Fallback xmlns="">
       <p:transition spd="slow"/>
     </mc:Fallback>
   </mc:AlternateContent>
@@ -7075,11 +7076,11 @@
   <p:clrMapOvr>
     <a:masterClrMapping/>
   </p:clrMapOvr>
-  <mc:AlternateContent xmlns:mc="http://schemas.openxmlformats.org/markup-compatibility/2006">
-    <mc:Choice xmlns:p14="http://schemas.microsoft.com/office/powerpoint/2010/main" Requires="p14">
+  <mc:AlternateContent xmlns:mc="http://schemas.openxmlformats.org/markup-compatibility/2006" xmlns:p14="http://schemas.microsoft.com/office/powerpoint/2010/main">
+    <mc:Choice Requires="p14">
       <p:transition spd="slow" p14:dur="2000"/>
     </mc:Choice>
-    <mc:Fallback>
+    <mc:Fallback xmlns="">
       <p:transition spd="slow"/>
     </mc:Fallback>
   </mc:AlternateContent>
@@ -7167,6 +7168,59 @@
                                         <p:cTn id="10" dur="500"/>
                                         <p:tgtEl>
                                           <p:spTgt spid="6"/>
+                                        </p:tgtEl>
+                                      </p:cBhvr>
+                                    </p:animEffect>
+                                  </p:childTnLst>
+                                </p:cTn>
+                              </p:par>
+                            </p:childTnLst>
+                          </p:cTn>
+                        </p:par>
+                      </p:childTnLst>
+                    </p:cTn>
+                  </p:par>
+                  <p:par>
+                    <p:cTn id="11" fill="hold">
+                      <p:stCondLst>
+                        <p:cond delay="indefinite"/>
+                      </p:stCondLst>
+                      <p:childTnLst>
+                        <p:par>
+                          <p:cTn id="12" fill="hold">
+                            <p:stCondLst>
+                              <p:cond delay="0"/>
+                            </p:stCondLst>
+                            <p:childTnLst>
+                              <p:par>
+                                <p:cTn id="13" presetID="10" presetClass="entr" presetSubtype="0" fill="hold" nodeType="clickEffect">
+                                  <p:stCondLst>
+                                    <p:cond delay="0"/>
+                                  </p:stCondLst>
+                                  <p:childTnLst>
+                                    <p:set>
+                                      <p:cBhvr>
+                                        <p:cTn id="14" dur="1" fill="hold">
+                                          <p:stCondLst>
+                                            <p:cond delay="0"/>
+                                          </p:stCondLst>
+                                        </p:cTn>
+                                        <p:tgtEl>
+                                          <p:spTgt spid="8"/>
+                                        </p:tgtEl>
+                                        <p:attrNameLst>
+                                          <p:attrName>style.visibility</p:attrName>
+                                        </p:attrNameLst>
+                                      </p:cBhvr>
+                                      <p:to>
+                                        <p:strVal val="visible"/>
+                                      </p:to>
+                                    </p:set>
+                                    <p:animEffect transition="in" filter="fade">
+                                      <p:cBhvr>
+                                        <p:cTn id="15" dur="500"/>
+                                        <p:tgtEl>
+                                          <p:spTgt spid="8"/>
                                         </p:tgtEl>
                                       </p:cBhvr>
                                     </p:animEffect>
@@ -8476,7 +8530,12 @@
             <p:ph idx="1"/>
           </p:nvPr>
         </p:nvSpPr>
-        <p:spPr/>
+        <p:spPr>
+          <a:xfrm>
+            <a:off x="677334" y="1439372"/>
+            <a:ext cx="8596668" cy="3880773"/>
+          </a:xfrm>
+        </p:spPr>
         <p:txBody>
           <a:bodyPr/>
           <a:lstStyle/>
@@ -8666,17 +8725,7 @@
                 <a:latin typeface="Times New Roman" panose="02020603050405020304" pitchFamily="18" charset="0"/>
                 <a:cs typeface="Times New Roman" panose="02020603050405020304" pitchFamily="18" charset="0"/>
               </a:rPr>
-              <a:t>GB</a:t>
-            </a:r>
-            <a:r>
-              <a:rPr lang="en-US" sz="2200" dirty="0" smtClean="0">
-                <a:solidFill>
-                  <a:schemeClr val="tx1"/>
-                </a:solidFill>
-                <a:latin typeface="Times New Roman" panose="02020603050405020304" pitchFamily="18" charset="0"/>
-                <a:cs typeface="Times New Roman" panose="02020603050405020304" pitchFamily="18" charset="0"/>
-              </a:rPr>
-              <a:t>.</a:t>
+              <a:t>GB.</a:t>
             </a:r>
             <a:endParaRPr lang="en-US" sz="2200" dirty="0">
               <a:solidFill>
@@ -8970,7 +9019,7 @@
       </p:sp>
       <p:pic>
         <p:nvPicPr>
-          <p:cNvPr id="4" name="Picture 3"/>
+          <p:cNvPr id="5" name="Picture 4"/>
           <p:cNvPicPr>
             <a:picLocks noChangeAspect="1"/>
           </p:cNvPicPr>
@@ -8984,8 +9033,8 @@
         </p:blipFill>
         <p:spPr>
           <a:xfrm>
-            <a:off x="2327718" y="1971675"/>
-            <a:ext cx="5295900" cy="4886325"/>
+            <a:off x="2522309" y="1950345"/>
+            <a:ext cx="4864835" cy="4592123"/>
           </a:xfrm>
           <a:prstGeom prst="rect">
             <a:avLst/>
@@ -9084,7 +9133,7 @@
                             </p:stCondLst>
                             <p:childTnLst>
                               <p:par>
-                                <p:cTn id="10" presetID="42" presetClass="entr" presetSubtype="0" fill="hold" nodeType="clickEffect">
+                                <p:cTn id="10" presetID="10" presetClass="entr" presetSubtype="0" fill="hold" nodeType="clickEffect">
                                   <p:stCondLst>
                                     <p:cond delay="0"/>
                                   </p:stCondLst>
@@ -9097,7 +9146,7 @@
                                           </p:stCondLst>
                                         </p:cTn>
                                         <p:tgtEl>
-                                          <p:spTgt spid="4"/>
+                                          <p:spTgt spid="5"/>
                                         </p:tgtEl>
                                         <p:attrNameLst>
                                           <p:attrName>style.visibility</p:attrName>
@@ -9109,58 +9158,12 @@
                                     </p:set>
                                     <p:animEffect transition="in" filter="fade">
                                       <p:cBhvr>
-                                        <p:cTn id="12" dur="1000"/>
+                                        <p:cTn id="12" dur="500"/>
                                         <p:tgtEl>
-                                          <p:spTgt spid="4"/>
+                                          <p:spTgt spid="5"/>
                                         </p:tgtEl>
                                       </p:cBhvr>
                                     </p:animEffect>
-                                    <p:anim calcmode="lin" valueType="num">
-                                      <p:cBhvr>
-                                        <p:cTn id="13" dur="1000" fill="hold"/>
-                                        <p:tgtEl>
-                                          <p:spTgt spid="4"/>
-                                        </p:tgtEl>
-                                        <p:attrNameLst>
-                                          <p:attrName>ppt_x</p:attrName>
-                                        </p:attrNameLst>
-                                      </p:cBhvr>
-                                      <p:tavLst>
-                                        <p:tav tm="0">
-                                          <p:val>
-                                            <p:strVal val="#ppt_x"/>
-                                          </p:val>
-                                        </p:tav>
-                                        <p:tav tm="100000">
-                                          <p:val>
-                                            <p:strVal val="#ppt_x"/>
-                                          </p:val>
-                                        </p:tav>
-                                      </p:tavLst>
-                                    </p:anim>
-                                    <p:anim calcmode="lin" valueType="num">
-                                      <p:cBhvr>
-                                        <p:cTn id="14" dur="1000" fill="hold"/>
-                                        <p:tgtEl>
-                                          <p:spTgt spid="4"/>
-                                        </p:tgtEl>
-                                        <p:attrNameLst>
-                                          <p:attrName>ppt_y</p:attrName>
-                                        </p:attrNameLst>
-                                      </p:cBhvr>
-                                      <p:tavLst>
-                                        <p:tav tm="0">
-                                          <p:val>
-                                            <p:strVal val="#ppt_y+.1"/>
-                                          </p:val>
-                                        </p:tav>
-                                        <p:tav tm="100000">
-                                          <p:val>
-                                            <p:strVal val="#ppt_y"/>
-                                          </p:val>
-                                        </p:tav>
-                                      </p:tavLst>
-                                    </p:anim>
                                   </p:childTnLst>
                                 </p:cTn>
                               </p:par>
@@ -9196,6 +9199,302 @@
 </file>
 
 <file path=ppt/slides/slide16.xml><?xml version="1.0" encoding="utf-8"?>
+<p:sld xmlns:a="http://schemas.openxmlformats.org/drawingml/2006/main" xmlns:r="http://schemas.openxmlformats.org/officeDocument/2006/relationships" xmlns:p="http://schemas.openxmlformats.org/presentationml/2006/main">
+  <p:cSld>
+    <p:spTree>
+      <p:nvGrpSpPr>
+        <p:cNvPr id="1" name=""/>
+        <p:cNvGrpSpPr/>
+        <p:nvPr/>
+      </p:nvGrpSpPr>
+      <p:grpSpPr>
+        <a:xfrm>
+          <a:off x="0" y="0"/>
+          <a:ext cx="0" cy="0"/>
+          <a:chOff x="0" y="0"/>
+          <a:chExt cx="0" cy="0"/>
+        </a:xfrm>
+      </p:grpSpPr>
+      <p:sp>
+        <p:nvSpPr>
+          <p:cNvPr id="2" name="Title 1"/>
+          <p:cNvSpPr>
+            <a:spLocks noGrp="1"/>
+          </p:cNvSpPr>
+          <p:nvPr>
+            <p:ph type="title"/>
+          </p:nvPr>
+        </p:nvSpPr>
+        <p:spPr>
+          <a:xfrm>
+            <a:off x="677334" y="609600"/>
+            <a:ext cx="8596668" cy="1000259"/>
+          </a:xfrm>
+        </p:spPr>
+        <p:txBody>
+          <a:bodyPr>
+            <a:normAutofit/>
+          </a:bodyPr>
+          <a:lstStyle/>
+          <a:p>
+            <a:r>
+              <a:rPr lang="en-US" sz="4000" dirty="0" smtClean="0">
+                <a:effectLst>
+                  <a:outerShdw blurRad="38100" dist="38100" dir="2700000" algn="tl">
+                    <a:srgbClr val="000000">
+                      <a:alpha val="43137"/>
+                    </a:srgbClr>
+                  </a:outerShdw>
+                </a:effectLst>
+                <a:latin typeface="Times New Roman" panose="02020603050405020304" pitchFamily="18" charset="0"/>
+                <a:cs typeface="Times New Roman" panose="02020603050405020304" pitchFamily="18" charset="0"/>
+              </a:rPr>
+              <a:t>3. </a:t>
+            </a:r>
+            <a:r>
+              <a:rPr lang="en-US" sz="4000" dirty="0">
+                <a:effectLst>
+                  <a:outerShdw blurRad="38100" dist="38100" dir="2700000" algn="tl">
+                    <a:srgbClr val="000000">
+                      <a:alpha val="43137"/>
+                    </a:srgbClr>
+                  </a:outerShdw>
+                </a:effectLst>
+                <a:latin typeface="Times New Roman" panose="02020603050405020304" pitchFamily="18" charset="0"/>
+                <a:cs typeface="Times New Roman" panose="02020603050405020304" pitchFamily="18" charset="0"/>
+              </a:rPr>
+              <a:t>HIỆN THƯC HỆ THỐNG</a:t>
+            </a:r>
+            <a:endParaRPr lang="en-US" sz="4000" dirty="0">
+              <a:effectLst>
+                <a:outerShdw blurRad="38100" dist="38100" dir="2700000" algn="tl">
+                  <a:srgbClr val="000000">
+                    <a:alpha val="43137"/>
+                  </a:srgbClr>
+                </a:outerShdw>
+              </a:effectLst>
+            </a:endParaRPr>
+          </a:p>
+        </p:txBody>
+      </p:sp>
+      <p:sp>
+        <p:nvSpPr>
+          <p:cNvPr id="3" name="Content Placeholder 2"/>
+          <p:cNvSpPr>
+            <a:spLocks noGrp="1"/>
+          </p:cNvSpPr>
+          <p:nvPr>
+            <p:ph idx="1"/>
+          </p:nvPr>
+        </p:nvSpPr>
+        <p:spPr>
+          <a:xfrm>
+            <a:off x="677334" y="1474079"/>
+            <a:ext cx="8596668" cy="4721476"/>
+          </a:xfrm>
+        </p:spPr>
+        <p:txBody>
+          <a:bodyPr/>
+          <a:lstStyle/>
+          <a:p>
+            <a:r>
+              <a:rPr lang="en-US" sz="2500" b="1" dirty="0" smtClean="0">
+                <a:solidFill>
+                  <a:schemeClr val="tx1"/>
+                </a:solidFill>
+                <a:latin typeface="Times New Roman" panose="02020603050405020304" pitchFamily="18" charset="0"/>
+                <a:cs typeface="Times New Roman" panose="02020603050405020304" pitchFamily="18" charset="0"/>
+              </a:rPr>
+              <a:t>KẾT QUẢ:</a:t>
+            </a:r>
+          </a:p>
+          <a:p>
+            <a:endParaRPr lang="en-US" dirty="0"/>
+          </a:p>
+        </p:txBody>
+      </p:sp>
+      <p:pic>
+        <p:nvPicPr>
+          <p:cNvPr id="6" name="Picture 5"/>
+          <p:cNvPicPr>
+            <a:picLocks noChangeAspect="1"/>
+          </p:cNvPicPr>
+          <p:nvPr/>
+        </p:nvPicPr>
+        <p:blipFill>
+          <a:blip r:embed="rId2"/>
+          <a:stretch>
+            <a:fillRect/>
+          </a:stretch>
+        </p:blipFill>
+        <p:spPr>
+          <a:xfrm>
+            <a:off x="1955639" y="2276742"/>
+            <a:ext cx="6106166" cy="3776327"/>
+          </a:xfrm>
+          <a:prstGeom prst="rect">
+            <a:avLst/>
+          </a:prstGeom>
+        </p:spPr>
+      </p:pic>
+    </p:spTree>
+    <p:extLst>
+      <p:ext uri="{BB962C8B-B14F-4D97-AF65-F5344CB8AC3E}">
+        <p14:creationId xmlns:p14="http://schemas.microsoft.com/office/powerpoint/2010/main" val="584972408"/>
+      </p:ext>
+    </p:extLst>
+  </p:cSld>
+  <p:clrMapOvr>
+    <a:masterClrMapping/>
+  </p:clrMapOvr>
+  <p:timing>
+    <p:tnLst>
+      <p:par>
+        <p:cTn id="1" dur="indefinite" restart="never" nodeType="tmRoot">
+          <p:childTnLst>
+            <p:seq concurrent="1" nextAc="seek">
+              <p:cTn id="2" dur="indefinite" nodeType="mainSeq">
+                <p:childTnLst>
+                  <p:par>
+                    <p:cTn id="3" fill="hold">
+                      <p:stCondLst>
+                        <p:cond delay="indefinite"/>
+                      </p:stCondLst>
+                      <p:childTnLst>
+                        <p:par>
+                          <p:cTn id="4" fill="hold">
+                            <p:stCondLst>
+                              <p:cond delay="0"/>
+                            </p:stCondLst>
+                            <p:childTnLst>
+                              <p:par>
+                                <p:cTn id="5" presetID="10" presetClass="entr" presetSubtype="0" fill="hold" nodeType="clickEffect">
+                                  <p:stCondLst>
+                                    <p:cond delay="0"/>
+                                  </p:stCondLst>
+                                  <p:childTnLst>
+                                    <p:set>
+                                      <p:cBhvr>
+                                        <p:cTn id="6" dur="1" fill="hold">
+                                          <p:stCondLst>
+                                            <p:cond delay="0"/>
+                                          </p:stCondLst>
+                                        </p:cTn>
+                                        <p:tgtEl>
+                                          <p:spTgt spid="3">
+                                            <p:txEl>
+                                              <p:pRg st="0" end="0"/>
+                                            </p:txEl>
+                                          </p:spTgt>
+                                        </p:tgtEl>
+                                        <p:attrNameLst>
+                                          <p:attrName>style.visibility</p:attrName>
+                                        </p:attrNameLst>
+                                      </p:cBhvr>
+                                      <p:to>
+                                        <p:strVal val="visible"/>
+                                      </p:to>
+                                    </p:set>
+                                    <p:animEffect transition="in" filter="fade">
+                                      <p:cBhvr>
+                                        <p:cTn id="7" dur="500"/>
+                                        <p:tgtEl>
+                                          <p:spTgt spid="3">
+                                            <p:txEl>
+                                              <p:pRg st="0" end="0"/>
+                                            </p:txEl>
+                                          </p:spTgt>
+                                        </p:tgtEl>
+                                      </p:cBhvr>
+                                    </p:animEffect>
+                                  </p:childTnLst>
+                                </p:cTn>
+                              </p:par>
+                            </p:childTnLst>
+                          </p:cTn>
+                        </p:par>
+                      </p:childTnLst>
+                    </p:cTn>
+                  </p:par>
+                  <p:par>
+                    <p:cTn id="8" fill="hold">
+                      <p:stCondLst>
+                        <p:cond delay="indefinite"/>
+                      </p:stCondLst>
+                      <p:childTnLst>
+                        <p:par>
+                          <p:cTn id="9" fill="hold">
+                            <p:stCondLst>
+                              <p:cond delay="0"/>
+                            </p:stCondLst>
+                            <p:childTnLst>
+                              <p:par>
+                                <p:cTn id="10" presetID="10" presetClass="entr" presetSubtype="0" fill="hold" nodeType="clickEffect">
+                                  <p:stCondLst>
+                                    <p:cond delay="0"/>
+                                  </p:stCondLst>
+                                  <p:childTnLst>
+                                    <p:set>
+                                      <p:cBhvr>
+                                        <p:cTn id="11" dur="1" fill="hold">
+                                          <p:stCondLst>
+                                            <p:cond delay="0"/>
+                                          </p:stCondLst>
+                                        </p:cTn>
+                                        <p:tgtEl>
+                                          <p:spTgt spid="6"/>
+                                        </p:tgtEl>
+                                        <p:attrNameLst>
+                                          <p:attrName>style.visibility</p:attrName>
+                                        </p:attrNameLst>
+                                      </p:cBhvr>
+                                      <p:to>
+                                        <p:strVal val="visible"/>
+                                      </p:to>
+                                    </p:set>
+                                    <p:animEffect transition="in" filter="fade">
+                                      <p:cBhvr>
+                                        <p:cTn id="12" dur="500"/>
+                                        <p:tgtEl>
+                                          <p:spTgt spid="6"/>
+                                        </p:tgtEl>
+                                      </p:cBhvr>
+                                    </p:animEffect>
+                                  </p:childTnLst>
+                                </p:cTn>
+                              </p:par>
+                            </p:childTnLst>
+                          </p:cTn>
+                        </p:par>
+                      </p:childTnLst>
+                    </p:cTn>
+                  </p:par>
+                </p:childTnLst>
+              </p:cTn>
+              <p:prevCondLst>
+                <p:cond evt="onPrev" delay="0">
+                  <p:tgtEl>
+                    <p:sldTgt/>
+                  </p:tgtEl>
+                </p:cond>
+              </p:prevCondLst>
+              <p:nextCondLst>
+                <p:cond evt="onNext" delay="0">
+                  <p:tgtEl>
+                    <p:sldTgt/>
+                  </p:tgtEl>
+                </p:cond>
+              </p:nextCondLst>
+            </p:seq>
+          </p:childTnLst>
+        </p:cTn>
+      </p:par>
+    </p:tnLst>
+  </p:timing>
+</p:sld>
+</file>
+
+<file path=ppt/slides/slide17.xml><?xml version="1.0" encoding="utf-8"?>
 <p:sld xmlns:a="http://schemas.openxmlformats.org/drawingml/2006/main" xmlns:r="http://schemas.openxmlformats.org/officeDocument/2006/relationships" xmlns:p="http://schemas.openxmlformats.org/presentationml/2006/main">
   <p:cSld>
     <p:spTree>
@@ -9370,7 +9669,7 @@
 </p:sld>
 </file>
 
-<file path=ppt/slides/slide17.xml><?xml version="1.0" encoding="utf-8"?>
+<file path=ppt/slides/slide18.xml><?xml version="1.0" encoding="utf-8"?>
 <p:sld xmlns:a="http://schemas.openxmlformats.org/drawingml/2006/main" xmlns:r="http://schemas.openxmlformats.org/officeDocument/2006/relationships" xmlns:p="http://schemas.openxmlformats.org/presentationml/2006/main">
   <p:cSld>
     <p:spTree>
@@ -11563,7 +11862,7 @@
 </p:sld>
 </file>
 
-<file path=ppt/slides/slide18.xml><?xml version="1.0" encoding="utf-8"?>
+<file path=ppt/slides/slide19.xml><?xml version="1.0" encoding="utf-8"?>
 <p:sld xmlns:a="http://schemas.openxmlformats.org/drawingml/2006/main" xmlns:r="http://schemas.openxmlformats.org/officeDocument/2006/relationships" xmlns:p="http://schemas.openxmlformats.org/presentationml/2006/main">
   <p:cSld>
     <p:spTree>
@@ -12854,1701 +13153,6 @@
 </p:sld>
 </file>
 
-<file path=ppt/slides/slide19.xml><?xml version="1.0" encoding="utf-8"?>
-<p:sld xmlns:a="http://schemas.openxmlformats.org/drawingml/2006/main" xmlns:r="http://schemas.openxmlformats.org/officeDocument/2006/relationships" xmlns:p="http://schemas.openxmlformats.org/presentationml/2006/main">
-  <p:cSld>
-    <p:spTree>
-      <p:nvGrpSpPr>
-        <p:cNvPr id="1" name=""/>
-        <p:cNvGrpSpPr/>
-        <p:nvPr/>
-      </p:nvGrpSpPr>
-      <p:grpSpPr>
-        <a:xfrm>
-          <a:off x="0" y="0"/>
-          <a:ext cx="0" cy="0"/>
-          <a:chOff x="0" y="0"/>
-          <a:chExt cx="0" cy="0"/>
-        </a:xfrm>
-      </p:grpSpPr>
-      <p:sp>
-        <p:nvSpPr>
-          <p:cNvPr id="2" name="Title 1"/>
-          <p:cNvSpPr>
-            <a:spLocks noGrp="1"/>
-          </p:cNvSpPr>
-          <p:nvPr>
-            <p:ph type="title"/>
-          </p:nvPr>
-        </p:nvSpPr>
-        <p:spPr>
-          <a:xfrm>
-            <a:off x="677334" y="609600"/>
-            <a:ext cx="8814396" cy="1320800"/>
-          </a:xfrm>
-        </p:spPr>
-        <p:txBody>
-          <a:bodyPr>
-            <a:normAutofit/>
-          </a:bodyPr>
-          <a:lstStyle/>
-          <a:p>
-            <a:r>
-              <a:rPr lang="en-US" sz="4000" dirty="0">
-                <a:effectLst>
-                  <a:outerShdw blurRad="38100" dist="38100" dir="2700000" algn="tl">
-                    <a:srgbClr val="000000">
-                      <a:alpha val="43137"/>
-                    </a:srgbClr>
-                  </a:outerShdw>
-                </a:effectLst>
-                <a:latin typeface="Times New Roman" panose="02020603050405020304" pitchFamily="18" charset="0"/>
-                <a:cs typeface="Times New Roman" panose="02020603050405020304" pitchFamily="18" charset="0"/>
-              </a:rPr>
-              <a:t>5</a:t>
-            </a:r>
-            <a:r>
-              <a:rPr lang="en-US" sz="4000" dirty="0" smtClean="0">
-                <a:effectLst>
-                  <a:outerShdw blurRad="38100" dist="38100" dir="2700000" algn="tl">
-                    <a:srgbClr val="000000">
-                      <a:alpha val="43137"/>
-                    </a:srgbClr>
-                  </a:outerShdw>
-                </a:effectLst>
-                <a:latin typeface="Times New Roman" panose="02020603050405020304" pitchFamily="18" charset="0"/>
-                <a:cs typeface="Times New Roman" panose="02020603050405020304" pitchFamily="18" charset="0"/>
-              </a:rPr>
-              <a:t>. </a:t>
-            </a:r>
-            <a:r>
-              <a:rPr lang="en-US" sz="4000" dirty="0">
-                <a:effectLst>
-                  <a:outerShdw blurRad="38100" dist="38100" dir="2700000" algn="tl">
-                    <a:srgbClr val="000000">
-                      <a:alpha val="43137"/>
-                    </a:srgbClr>
-                  </a:outerShdw>
-                </a:effectLst>
-                <a:latin typeface="Times New Roman" panose="02020603050405020304" pitchFamily="18" charset="0"/>
-                <a:cs typeface="Times New Roman" panose="02020603050405020304" pitchFamily="18" charset="0"/>
-              </a:rPr>
-              <a:t>TỔNG KẾT &amp; HƯỚNG PHÁT TRIỂN</a:t>
-            </a:r>
-            <a:endParaRPr lang="en-US" sz="4000" dirty="0">
-              <a:effectLst>
-                <a:outerShdw blurRad="38100" dist="38100" dir="2700000" algn="tl">
-                  <a:srgbClr val="000000">
-                    <a:alpha val="43137"/>
-                  </a:srgbClr>
-                </a:outerShdw>
-              </a:effectLst>
-            </a:endParaRPr>
-          </a:p>
-        </p:txBody>
-      </p:sp>
-      <p:sp>
-        <p:nvSpPr>
-          <p:cNvPr id="3" name="Content Placeholder 2"/>
-          <p:cNvSpPr>
-            <a:spLocks noGrp="1"/>
-          </p:cNvSpPr>
-          <p:nvPr>
-            <p:ph idx="1"/>
-          </p:nvPr>
-        </p:nvSpPr>
-        <p:spPr>
-          <a:xfrm>
-            <a:off x="677334" y="2160589"/>
-            <a:ext cx="8312120" cy="3880773"/>
-          </a:xfrm>
-        </p:spPr>
-        <p:txBody>
-          <a:bodyPr/>
-          <a:lstStyle/>
-          <a:p>
-            <a:r>
-              <a:rPr lang="en-US" sz="2500" b="1" dirty="0" smtClean="0">
-                <a:solidFill>
-                  <a:schemeClr val="tx1"/>
-                </a:solidFill>
-                <a:latin typeface="Times New Roman" panose="02020603050405020304" pitchFamily="18" charset="0"/>
-                <a:cs typeface="Times New Roman" panose="02020603050405020304" pitchFamily="18" charset="0"/>
-              </a:rPr>
-              <a:t>HƯỚNG PHÁT TRIỂN:</a:t>
-            </a:r>
-          </a:p>
-          <a:p>
-            <a:pPr marL="0" indent="0" algn="just">
-              <a:buNone/>
-            </a:pPr>
-            <a:r>
-              <a:rPr lang="en-US" sz="2200" dirty="0">
-                <a:solidFill>
-                  <a:schemeClr val="tx1"/>
-                </a:solidFill>
-                <a:latin typeface="Times New Roman" panose="02020603050405020304" pitchFamily="18" charset="0"/>
-                <a:cs typeface="Times New Roman" panose="02020603050405020304" pitchFamily="18" charset="0"/>
-              </a:rPr>
-              <a:t>- Thu </a:t>
-            </a:r>
-            <a:r>
-              <a:rPr lang="en-US" sz="2200" dirty="0" err="1">
-                <a:solidFill>
-                  <a:schemeClr val="tx1"/>
-                </a:solidFill>
-                <a:latin typeface="Times New Roman" panose="02020603050405020304" pitchFamily="18" charset="0"/>
-                <a:cs typeface="Times New Roman" panose="02020603050405020304" pitchFamily="18" charset="0"/>
-              </a:rPr>
-              <a:t>thập</a:t>
-            </a:r>
-            <a:r>
-              <a:rPr lang="en-US" sz="2200" dirty="0">
-                <a:solidFill>
-                  <a:schemeClr val="tx1"/>
-                </a:solidFill>
-                <a:latin typeface="Times New Roman" panose="02020603050405020304" pitchFamily="18" charset="0"/>
-                <a:cs typeface="Times New Roman" panose="02020603050405020304" pitchFamily="18" charset="0"/>
-              </a:rPr>
-              <a:t> </a:t>
-            </a:r>
-            <a:r>
-              <a:rPr lang="en-US" sz="2200" dirty="0" err="1">
-                <a:solidFill>
-                  <a:schemeClr val="tx1"/>
-                </a:solidFill>
-                <a:latin typeface="Times New Roman" panose="02020603050405020304" pitchFamily="18" charset="0"/>
-                <a:cs typeface="Times New Roman" panose="02020603050405020304" pitchFamily="18" charset="0"/>
-              </a:rPr>
-              <a:t>hoặc</a:t>
-            </a:r>
-            <a:r>
-              <a:rPr lang="en-US" sz="2200" dirty="0">
-                <a:solidFill>
-                  <a:schemeClr val="tx1"/>
-                </a:solidFill>
-                <a:latin typeface="Times New Roman" panose="02020603050405020304" pitchFamily="18" charset="0"/>
-                <a:cs typeface="Times New Roman" panose="02020603050405020304" pitchFamily="18" charset="0"/>
-              </a:rPr>
-              <a:t> </a:t>
-            </a:r>
-            <a:r>
-              <a:rPr lang="en-US" sz="2200" dirty="0" err="1">
-                <a:solidFill>
-                  <a:schemeClr val="tx1"/>
-                </a:solidFill>
-                <a:latin typeface="Times New Roman" panose="02020603050405020304" pitchFamily="18" charset="0"/>
-                <a:cs typeface="Times New Roman" panose="02020603050405020304" pitchFamily="18" charset="0"/>
-              </a:rPr>
-              <a:t>tái</a:t>
-            </a:r>
-            <a:r>
-              <a:rPr lang="en-US" sz="2200" dirty="0">
-                <a:solidFill>
-                  <a:schemeClr val="tx1"/>
-                </a:solidFill>
-                <a:latin typeface="Times New Roman" panose="02020603050405020304" pitchFamily="18" charset="0"/>
-                <a:cs typeface="Times New Roman" panose="02020603050405020304" pitchFamily="18" charset="0"/>
-              </a:rPr>
-              <a:t> </a:t>
-            </a:r>
-            <a:r>
-              <a:rPr lang="en-US" sz="2200" dirty="0" err="1">
-                <a:solidFill>
-                  <a:schemeClr val="tx1"/>
-                </a:solidFill>
-                <a:latin typeface="Times New Roman" panose="02020603050405020304" pitchFamily="18" charset="0"/>
-                <a:cs typeface="Times New Roman" panose="02020603050405020304" pitchFamily="18" charset="0"/>
-              </a:rPr>
-              <a:t>chỉnh</a:t>
-            </a:r>
-            <a:r>
-              <a:rPr lang="en-US" sz="2200" dirty="0">
-                <a:solidFill>
-                  <a:schemeClr val="tx1"/>
-                </a:solidFill>
-                <a:latin typeface="Times New Roman" panose="02020603050405020304" pitchFamily="18" charset="0"/>
-                <a:cs typeface="Times New Roman" panose="02020603050405020304" pitchFamily="18" charset="0"/>
-              </a:rPr>
-              <a:t> </a:t>
-            </a:r>
-            <a:r>
-              <a:rPr lang="en-US" sz="2200" dirty="0" err="1">
-                <a:solidFill>
-                  <a:schemeClr val="tx1"/>
-                </a:solidFill>
-                <a:latin typeface="Times New Roman" panose="02020603050405020304" pitchFamily="18" charset="0"/>
-                <a:cs typeface="Times New Roman" panose="02020603050405020304" pitchFamily="18" charset="0"/>
-              </a:rPr>
-              <a:t>sữa</a:t>
-            </a:r>
-            <a:r>
-              <a:rPr lang="en-US" sz="2200" dirty="0">
-                <a:solidFill>
-                  <a:schemeClr val="tx1"/>
-                </a:solidFill>
-                <a:latin typeface="Times New Roman" panose="02020603050405020304" pitchFamily="18" charset="0"/>
-                <a:cs typeface="Times New Roman" panose="02020603050405020304" pitchFamily="18" charset="0"/>
-              </a:rPr>
-              <a:t> </a:t>
-            </a:r>
-            <a:r>
-              <a:rPr lang="en-US" sz="2200" dirty="0" err="1">
-                <a:solidFill>
-                  <a:schemeClr val="tx1"/>
-                </a:solidFill>
-                <a:latin typeface="Times New Roman" panose="02020603050405020304" pitchFamily="18" charset="0"/>
-                <a:cs typeface="Times New Roman" panose="02020603050405020304" pitchFamily="18" charset="0"/>
-              </a:rPr>
-              <a:t>lại</a:t>
-            </a:r>
-            <a:r>
-              <a:rPr lang="en-US" sz="2200" dirty="0">
-                <a:solidFill>
-                  <a:schemeClr val="tx1"/>
-                </a:solidFill>
-                <a:latin typeface="Times New Roman" panose="02020603050405020304" pitchFamily="18" charset="0"/>
-                <a:cs typeface="Times New Roman" panose="02020603050405020304" pitchFamily="18" charset="0"/>
-              </a:rPr>
-              <a:t> </a:t>
-            </a:r>
-            <a:r>
-              <a:rPr lang="en-US" sz="2200" dirty="0" err="1">
-                <a:solidFill>
-                  <a:schemeClr val="tx1"/>
-                </a:solidFill>
-                <a:latin typeface="Times New Roman" panose="02020603050405020304" pitchFamily="18" charset="0"/>
-                <a:cs typeface="Times New Roman" panose="02020603050405020304" pitchFamily="18" charset="0"/>
-              </a:rPr>
-              <a:t>toàn</a:t>
-            </a:r>
-            <a:r>
-              <a:rPr lang="en-US" sz="2200" dirty="0">
-                <a:solidFill>
-                  <a:schemeClr val="tx1"/>
-                </a:solidFill>
-                <a:latin typeface="Times New Roman" panose="02020603050405020304" pitchFamily="18" charset="0"/>
-                <a:cs typeface="Times New Roman" panose="02020603050405020304" pitchFamily="18" charset="0"/>
-              </a:rPr>
-              <a:t> </a:t>
-            </a:r>
-            <a:r>
-              <a:rPr lang="en-US" sz="2200" dirty="0" err="1">
-                <a:solidFill>
-                  <a:schemeClr val="tx1"/>
-                </a:solidFill>
-                <a:latin typeface="Times New Roman" panose="02020603050405020304" pitchFamily="18" charset="0"/>
-                <a:cs typeface="Times New Roman" panose="02020603050405020304" pitchFamily="18" charset="0"/>
-              </a:rPr>
-              <a:t>bộ</a:t>
-            </a:r>
-            <a:r>
-              <a:rPr lang="en-US" sz="2200" dirty="0">
-                <a:solidFill>
-                  <a:schemeClr val="tx1"/>
-                </a:solidFill>
-                <a:latin typeface="Times New Roman" panose="02020603050405020304" pitchFamily="18" charset="0"/>
-                <a:cs typeface="Times New Roman" panose="02020603050405020304" pitchFamily="18" charset="0"/>
-              </a:rPr>
-              <a:t> </a:t>
-            </a:r>
-            <a:r>
-              <a:rPr lang="en-US" sz="2200" dirty="0" err="1">
-                <a:solidFill>
-                  <a:schemeClr val="tx1"/>
-                </a:solidFill>
-                <a:latin typeface="Times New Roman" panose="02020603050405020304" pitchFamily="18" charset="0"/>
-                <a:cs typeface="Times New Roman" panose="02020603050405020304" pitchFamily="18" charset="0"/>
-              </a:rPr>
-              <a:t>dữ</a:t>
-            </a:r>
-            <a:r>
-              <a:rPr lang="en-US" sz="2200" dirty="0">
-                <a:solidFill>
-                  <a:schemeClr val="tx1"/>
-                </a:solidFill>
-                <a:latin typeface="Times New Roman" panose="02020603050405020304" pitchFamily="18" charset="0"/>
-                <a:cs typeface="Times New Roman" panose="02020603050405020304" pitchFamily="18" charset="0"/>
-              </a:rPr>
-              <a:t> </a:t>
-            </a:r>
-            <a:r>
-              <a:rPr lang="en-US" sz="2200" dirty="0" err="1">
-                <a:solidFill>
-                  <a:schemeClr val="tx1"/>
-                </a:solidFill>
-                <a:latin typeface="Times New Roman" panose="02020603050405020304" pitchFamily="18" charset="0"/>
-                <a:cs typeface="Times New Roman" panose="02020603050405020304" pitchFamily="18" charset="0"/>
-              </a:rPr>
-              <a:t>liệu</a:t>
-            </a:r>
-            <a:r>
-              <a:rPr lang="en-US" sz="2200" dirty="0">
-                <a:solidFill>
-                  <a:schemeClr val="tx1"/>
-                </a:solidFill>
-                <a:latin typeface="Times New Roman" panose="02020603050405020304" pitchFamily="18" charset="0"/>
-                <a:cs typeface="Times New Roman" panose="02020603050405020304" pitchFamily="18" charset="0"/>
-              </a:rPr>
-              <a:t> </a:t>
-            </a:r>
-            <a:r>
-              <a:rPr lang="en-US" sz="2200" dirty="0" err="1">
-                <a:solidFill>
-                  <a:schemeClr val="tx1"/>
-                </a:solidFill>
-                <a:latin typeface="Times New Roman" panose="02020603050405020304" pitchFamily="18" charset="0"/>
-                <a:cs typeface="Times New Roman" panose="02020603050405020304" pitchFamily="18" charset="0"/>
-              </a:rPr>
-              <a:t>huấn</a:t>
-            </a:r>
-            <a:r>
-              <a:rPr lang="en-US" sz="2200" dirty="0">
-                <a:solidFill>
-                  <a:schemeClr val="tx1"/>
-                </a:solidFill>
-                <a:latin typeface="Times New Roman" panose="02020603050405020304" pitchFamily="18" charset="0"/>
-                <a:cs typeface="Times New Roman" panose="02020603050405020304" pitchFamily="18" charset="0"/>
-              </a:rPr>
-              <a:t> </a:t>
-            </a:r>
-            <a:r>
-              <a:rPr lang="en-US" sz="2200" dirty="0" err="1">
-                <a:solidFill>
-                  <a:schemeClr val="tx1"/>
-                </a:solidFill>
-                <a:latin typeface="Times New Roman" panose="02020603050405020304" pitchFamily="18" charset="0"/>
-                <a:cs typeface="Times New Roman" panose="02020603050405020304" pitchFamily="18" charset="0"/>
-              </a:rPr>
-              <a:t>luyện</a:t>
-            </a:r>
-            <a:endParaRPr lang="en-US" sz="2200" dirty="0">
-              <a:solidFill>
-                <a:schemeClr val="tx1"/>
-              </a:solidFill>
-              <a:latin typeface="Times New Roman" panose="02020603050405020304" pitchFamily="18" charset="0"/>
-              <a:cs typeface="Times New Roman" panose="02020603050405020304" pitchFamily="18" charset="0"/>
-            </a:endParaRPr>
-          </a:p>
-          <a:p>
-            <a:pPr marL="0" indent="0" algn="just">
-              <a:buNone/>
-            </a:pPr>
-            <a:r>
-              <a:rPr lang="en-US" sz="2200" dirty="0">
-                <a:solidFill>
-                  <a:schemeClr val="tx1"/>
-                </a:solidFill>
-                <a:latin typeface="Times New Roman" panose="02020603050405020304" pitchFamily="18" charset="0"/>
-                <a:cs typeface="Times New Roman" panose="02020603050405020304" pitchFamily="18" charset="0"/>
-              </a:rPr>
-              <a:t>- </a:t>
-            </a:r>
-            <a:r>
-              <a:rPr lang="en-US" sz="2200" dirty="0" err="1">
-                <a:solidFill>
-                  <a:schemeClr val="tx1"/>
-                </a:solidFill>
-                <a:latin typeface="Times New Roman" panose="02020603050405020304" pitchFamily="18" charset="0"/>
-                <a:cs typeface="Times New Roman" panose="02020603050405020304" pitchFamily="18" charset="0"/>
-              </a:rPr>
-              <a:t>Thực</a:t>
-            </a:r>
-            <a:r>
-              <a:rPr lang="en-US" sz="2200" dirty="0">
-                <a:solidFill>
-                  <a:schemeClr val="tx1"/>
-                </a:solidFill>
-                <a:latin typeface="Times New Roman" panose="02020603050405020304" pitchFamily="18" charset="0"/>
-                <a:cs typeface="Times New Roman" panose="02020603050405020304" pitchFamily="18" charset="0"/>
-              </a:rPr>
-              <a:t> </a:t>
-            </a:r>
-            <a:r>
-              <a:rPr lang="en-US" sz="2200" dirty="0" err="1">
-                <a:solidFill>
-                  <a:schemeClr val="tx1"/>
-                </a:solidFill>
-                <a:latin typeface="Times New Roman" panose="02020603050405020304" pitchFamily="18" charset="0"/>
-                <a:cs typeface="Times New Roman" panose="02020603050405020304" pitchFamily="18" charset="0"/>
-              </a:rPr>
-              <a:t>hiện</a:t>
-            </a:r>
-            <a:r>
-              <a:rPr lang="en-US" sz="2200" dirty="0">
-                <a:solidFill>
-                  <a:schemeClr val="tx1"/>
-                </a:solidFill>
-                <a:latin typeface="Times New Roman" panose="02020603050405020304" pitchFamily="18" charset="0"/>
-                <a:cs typeface="Times New Roman" panose="02020603050405020304" pitchFamily="18" charset="0"/>
-              </a:rPr>
-              <a:t> </a:t>
-            </a:r>
-            <a:r>
-              <a:rPr lang="en-US" sz="2200" dirty="0" err="1">
-                <a:solidFill>
-                  <a:schemeClr val="tx1"/>
-                </a:solidFill>
-                <a:latin typeface="Times New Roman" panose="02020603050405020304" pitchFamily="18" charset="0"/>
-                <a:cs typeface="Times New Roman" panose="02020603050405020304" pitchFamily="18" charset="0"/>
-              </a:rPr>
-              <a:t>việc</a:t>
-            </a:r>
-            <a:r>
-              <a:rPr lang="en-US" sz="2200" dirty="0">
-                <a:solidFill>
-                  <a:schemeClr val="tx1"/>
-                </a:solidFill>
-                <a:latin typeface="Times New Roman" panose="02020603050405020304" pitchFamily="18" charset="0"/>
-                <a:cs typeface="Times New Roman" panose="02020603050405020304" pitchFamily="18" charset="0"/>
-              </a:rPr>
-              <a:t> </a:t>
-            </a:r>
-            <a:r>
-              <a:rPr lang="en-US" sz="2200" dirty="0" err="1">
-                <a:solidFill>
-                  <a:schemeClr val="tx1"/>
-                </a:solidFill>
-                <a:latin typeface="Times New Roman" panose="02020603050405020304" pitchFamily="18" charset="0"/>
-                <a:cs typeface="Times New Roman" panose="02020603050405020304" pitchFamily="18" charset="0"/>
-              </a:rPr>
-              <a:t>huấn</a:t>
-            </a:r>
-            <a:r>
-              <a:rPr lang="en-US" sz="2200" dirty="0">
-                <a:solidFill>
-                  <a:schemeClr val="tx1"/>
-                </a:solidFill>
-                <a:latin typeface="Times New Roman" panose="02020603050405020304" pitchFamily="18" charset="0"/>
-                <a:cs typeface="Times New Roman" panose="02020603050405020304" pitchFamily="18" charset="0"/>
-              </a:rPr>
-              <a:t> </a:t>
-            </a:r>
-            <a:r>
-              <a:rPr lang="en-US" sz="2200" dirty="0" err="1">
-                <a:solidFill>
-                  <a:schemeClr val="tx1"/>
-                </a:solidFill>
-                <a:latin typeface="Times New Roman" panose="02020603050405020304" pitchFamily="18" charset="0"/>
-                <a:cs typeface="Times New Roman" panose="02020603050405020304" pitchFamily="18" charset="0"/>
-              </a:rPr>
-              <a:t>luyện</a:t>
-            </a:r>
-            <a:r>
-              <a:rPr lang="en-US" sz="2200" dirty="0">
-                <a:solidFill>
-                  <a:schemeClr val="tx1"/>
-                </a:solidFill>
-                <a:latin typeface="Times New Roman" panose="02020603050405020304" pitchFamily="18" charset="0"/>
-                <a:cs typeface="Times New Roman" panose="02020603050405020304" pitchFamily="18" charset="0"/>
-              </a:rPr>
-              <a:t> </a:t>
-            </a:r>
-            <a:r>
-              <a:rPr lang="en-US" sz="2200" dirty="0" err="1">
-                <a:solidFill>
-                  <a:schemeClr val="tx1"/>
-                </a:solidFill>
-                <a:latin typeface="Times New Roman" panose="02020603050405020304" pitchFamily="18" charset="0"/>
-                <a:cs typeface="Times New Roman" panose="02020603050405020304" pitchFamily="18" charset="0"/>
-              </a:rPr>
-              <a:t>lại</a:t>
-            </a:r>
-            <a:r>
-              <a:rPr lang="en-US" sz="2200" dirty="0">
-                <a:solidFill>
-                  <a:schemeClr val="tx1"/>
-                </a:solidFill>
-                <a:latin typeface="Times New Roman" panose="02020603050405020304" pitchFamily="18" charset="0"/>
-                <a:cs typeface="Times New Roman" panose="02020603050405020304" pitchFamily="18" charset="0"/>
-              </a:rPr>
-              <a:t> </a:t>
-            </a:r>
-            <a:r>
-              <a:rPr lang="en-US" sz="2200" dirty="0" err="1">
-                <a:solidFill>
-                  <a:schemeClr val="tx1"/>
-                </a:solidFill>
-                <a:latin typeface="Times New Roman" panose="02020603050405020304" pitchFamily="18" charset="0"/>
-                <a:cs typeface="Times New Roman" panose="02020603050405020304" pitchFamily="18" charset="0"/>
-              </a:rPr>
-              <a:t>mô</a:t>
-            </a:r>
-            <a:r>
-              <a:rPr lang="en-US" sz="2200" dirty="0">
-                <a:solidFill>
-                  <a:schemeClr val="tx1"/>
-                </a:solidFill>
-                <a:latin typeface="Times New Roman" panose="02020603050405020304" pitchFamily="18" charset="0"/>
-                <a:cs typeface="Times New Roman" panose="02020603050405020304" pitchFamily="18" charset="0"/>
-              </a:rPr>
-              <a:t> </a:t>
-            </a:r>
-            <a:r>
-              <a:rPr lang="en-US" sz="2200" dirty="0" err="1">
-                <a:solidFill>
-                  <a:schemeClr val="tx1"/>
-                </a:solidFill>
-                <a:latin typeface="Times New Roman" panose="02020603050405020304" pitchFamily="18" charset="0"/>
-                <a:cs typeface="Times New Roman" panose="02020603050405020304" pitchFamily="18" charset="0"/>
-              </a:rPr>
-              <a:t>hình</a:t>
-            </a:r>
-            <a:r>
-              <a:rPr lang="en-US" sz="2200" dirty="0">
-                <a:solidFill>
-                  <a:schemeClr val="tx1"/>
-                </a:solidFill>
-                <a:latin typeface="Times New Roman" panose="02020603050405020304" pitchFamily="18" charset="0"/>
-                <a:cs typeface="Times New Roman" panose="02020603050405020304" pitchFamily="18" charset="0"/>
-              </a:rPr>
-              <a:t> </a:t>
-            </a:r>
-            <a:r>
-              <a:rPr lang="en-US" sz="2200" dirty="0" err="1">
-                <a:solidFill>
-                  <a:schemeClr val="tx1"/>
-                </a:solidFill>
-                <a:latin typeface="Times New Roman" panose="02020603050405020304" pitchFamily="18" charset="0"/>
-                <a:cs typeface="Times New Roman" panose="02020603050405020304" pitchFamily="18" charset="0"/>
-              </a:rPr>
-              <a:t>với</a:t>
-            </a:r>
-            <a:r>
-              <a:rPr lang="en-US" sz="2200" dirty="0">
-                <a:solidFill>
-                  <a:schemeClr val="tx1"/>
-                </a:solidFill>
-                <a:latin typeface="Times New Roman" panose="02020603050405020304" pitchFamily="18" charset="0"/>
-                <a:cs typeface="Times New Roman" panose="02020603050405020304" pitchFamily="18" charset="0"/>
-              </a:rPr>
-              <a:t> </a:t>
-            </a:r>
-            <a:r>
-              <a:rPr lang="en-US" sz="2200" dirty="0" err="1">
-                <a:solidFill>
-                  <a:schemeClr val="tx1"/>
-                </a:solidFill>
-                <a:latin typeface="Times New Roman" panose="02020603050405020304" pitchFamily="18" charset="0"/>
-                <a:cs typeface="Times New Roman" panose="02020603050405020304" pitchFamily="18" charset="0"/>
-              </a:rPr>
-              <a:t>tập</a:t>
-            </a:r>
-            <a:r>
-              <a:rPr lang="en-US" sz="2200" dirty="0">
-                <a:solidFill>
-                  <a:schemeClr val="tx1"/>
-                </a:solidFill>
-                <a:latin typeface="Times New Roman" panose="02020603050405020304" pitchFamily="18" charset="0"/>
-                <a:cs typeface="Times New Roman" panose="02020603050405020304" pitchFamily="18" charset="0"/>
-              </a:rPr>
-              <a:t> </a:t>
-            </a:r>
-            <a:r>
-              <a:rPr lang="en-US" sz="2200" dirty="0" err="1">
-                <a:solidFill>
-                  <a:schemeClr val="tx1"/>
-                </a:solidFill>
-                <a:latin typeface="Times New Roman" panose="02020603050405020304" pitchFamily="18" charset="0"/>
-                <a:cs typeface="Times New Roman" panose="02020603050405020304" pitchFamily="18" charset="0"/>
-              </a:rPr>
-              <a:t>dữ</a:t>
-            </a:r>
-            <a:r>
-              <a:rPr lang="en-US" sz="2200" dirty="0">
-                <a:solidFill>
-                  <a:schemeClr val="tx1"/>
-                </a:solidFill>
-                <a:latin typeface="Times New Roman" panose="02020603050405020304" pitchFamily="18" charset="0"/>
-                <a:cs typeface="Times New Roman" panose="02020603050405020304" pitchFamily="18" charset="0"/>
-              </a:rPr>
-              <a:t> </a:t>
-            </a:r>
-            <a:r>
-              <a:rPr lang="en-US" sz="2200" dirty="0" err="1">
-                <a:solidFill>
-                  <a:schemeClr val="tx1"/>
-                </a:solidFill>
-                <a:latin typeface="Times New Roman" panose="02020603050405020304" pitchFamily="18" charset="0"/>
-                <a:cs typeface="Times New Roman" panose="02020603050405020304" pitchFamily="18" charset="0"/>
-              </a:rPr>
-              <a:t>liệu</a:t>
-            </a:r>
-            <a:r>
-              <a:rPr lang="en-US" sz="2200" dirty="0">
-                <a:solidFill>
-                  <a:schemeClr val="tx1"/>
-                </a:solidFill>
-                <a:latin typeface="Times New Roman" panose="02020603050405020304" pitchFamily="18" charset="0"/>
-                <a:cs typeface="Times New Roman" panose="02020603050405020304" pitchFamily="18" charset="0"/>
-              </a:rPr>
-              <a:t> </a:t>
-            </a:r>
-            <a:r>
-              <a:rPr lang="en-US" sz="2200" dirty="0" err="1">
-                <a:solidFill>
-                  <a:schemeClr val="tx1"/>
-                </a:solidFill>
-                <a:latin typeface="Times New Roman" panose="02020603050405020304" pitchFamily="18" charset="0"/>
-                <a:cs typeface="Times New Roman" panose="02020603050405020304" pitchFamily="18" charset="0"/>
-              </a:rPr>
-              <a:t>lớn</a:t>
-            </a:r>
-            <a:endParaRPr lang="en-US" sz="2200" dirty="0">
-              <a:solidFill>
-                <a:schemeClr val="tx1"/>
-              </a:solidFill>
-              <a:latin typeface="Times New Roman" panose="02020603050405020304" pitchFamily="18" charset="0"/>
-              <a:cs typeface="Times New Roman" panose="02020603050405020304" pitchFamily="18" charset="0"/>
-            </a:endParaRPr>
-          </a:p>
-          <a:p>
-            <a:pPr marL="0" indent="0" algn="just">
-              <a:buNone/>
-            </a:pPr>
-            <a:r>
-              <a:rPr lang="en-US" sz="2200" dirty="0">
-                <a:solidFill>
-                  <a:schemeClr val="tx1"/>
-                </a:solidFill>
-                <a:latin typeface="Times New Roman" panose="02020603050405020304" pitchFamily="18" charset="0"/>
-                <a:cs typeface="Times New Roman" panose="02020603050405020304" pitchFamily="18" charset="0"/>
-              </a:rPr>
-              <a:t>- </a:t>
-            </a:r>
-            <a:r>
-              <a:rPr lang="en-US" sz="2200" dirty="0" err="1">
-                <a:solidFill>
-                  <a:schemeClr val="tx1"/>
-                </a:solidFill>
-                <a:latin typeface="Times New Roman" panose="02020603050405020304" pitchFamily="18" charset="0"/>
-                <a:cs typeface="Times New Roman" panose="02020603050405020304" pitchFamily="18" charset="0"/>
-              </a:rPr>
-              <a:t>Áp</a:t>
-            </a:r>
-            <a:r>
-              <a:rPr lang="en-US" sz="2200" dirty="0">
-                <a:solidFill>
-                  <a:schemeClr val="tx1"/>
-                </a:solidFill>
-                <a:latin typeface="Times New Roman" panose="02020603050405020304" pitchFamily="18" charset="0"/>
-                <a:cs typeface="Times New Roman" panose="02020603050405020304" pitchFamily="18" charset="0"/>
-              </a:rPr>
-              <a:t> </a:t>
-            </a:r>
-            <a:r>
-              <a:rPr lang="en-US" sz="2200" dirty="0" err="1">
-                <a:solidFill>
-                  <a:schemeClr val="tx1"/>
-                </a:solidFill>
-                <a:latin typeface="Times New Roman" panose="02020603050405020304" pitchFamily="18" charset="0"/>
-                <a:cs typeface="Times New Roman" panose="02020603050405020304" pitchFamily="18" charset="0"/>
-              </a:rPr>
-              <a:t>dụng</a:t>
-            </a:r>
-            <a:r>
-              <a:rPr lang="en-US" sz="2200" dirty="0">
-                <a:solidFill>
-                  <a:schemeClr val="tx1"/>
-                </a:solidFill>
-                <a:latin typeface="Times New Roman" panose="02020603050405020304" pitchFamily="18" charset="0"/>
-                <a:cs typeface="Times New Roman" panose="02020603050405020304" pitchFamily="18" charset="0"/>
-              </a:rPr>
-              <a:t> </a:t>
-            </a:r>
-            <a:r>
-              <a:rPr lang="en-US" sz="2200" dirty="0" err="1">
-                <a:solidFill>
-                  <a:schemeClr val="tx1"/>
-                </a:solidFill>
-                <a:latin typeface="Times New Roman" panose="02020603050405020304" pitchFamily="18" charset="0"/>
-                <a:cs typeface="Times New Roman" panose="02020603050405020304" pitchFamily="18" charset="0"/>
-              </a:rPr>
-              <a:t>thực</a:t>
-            </a:r>
-            <a:r>
-              <a:rPr lang="en-US" sz="2200" dirty="0">
-                <a:solidFill>
-                  <a:schemeClr val="tx1"/>
-                </a:solidFill>
-                <a:latin typeface="Times New Roman" panose="02020603050405020304" pitchFamily="18" charset="0"/>
-                <a:cs typeface="Times New Roman" panose="02020603050405020304" pitchFamily="18" charset="0"/>
-              </a:rPr>
-              <a:t> </a:t>
-            </a:r>
-            <a:r>
-              <a:rPr lang="en-US" sz="2200" dirty="0" err="1">
-                <a:solidFill>
-                  <a:schemeClr val="tx1"/>
-                </a:solidFill>
-                <a:latin typeface="Times New Roman" panose="02020603050405020304" pitchFamily="18" charset="0"/>
-                <a:cs typeface="Times New Roman" panose="02020603050405020304" pitchFamily="18" charset="0"/>
-              </a:rPr>
-              <a:t>nghiệm</a:t>
-            </a:r>
-            <a:r>
-              <a:rPr lang="en-US" sz="2200" dirty="0">
-                <a:solidFill>
-                  <a:schemeClr val="tx1"/>
-                </a:solidFill>
-                <a:latin typeface="Times New Roman" panose="02020603050405020304" pitchFamily="18" charset="0"/>
-                <a:cs typeface="Times New Roman" panose="02020603050405020304" pitchFamily="18" charset="0"/>
-              </a:rPr>
-              <a:t> </a:t>
-            </a:r>
-            <a:r>
-              <a:rPr lang="en-US" sz="2200" dirty="0" err="1">
-                <a:solidFill>
-                  <a:schemeClr val="tx1"/>
-                </a:solidFill>
-                <a:latin typeface="Times New Roman" panose="02020603050405020304" pitchFamily="18" charset="0"/>
-                <a:cs typeface="Times New Roman" panose="02020603050405020304" pitchFamily="18" charset="0"/>
-              </a:rPr>
-              <a:t>các</a:t>
-            </a:r>
-            <a:r>
-              <a:rPr lang="en-US" sz="2200" dirty="0">
-                <a:solidFill>
-                  <a:schemeClr val="tx1"/>
-                </a:solidFill>
-                <a:latin typeface="Times New Roman" panose="02020603050405020304" pitchFamily="18" charset="0"/>
-                <a:cs typeface="Times New Roman" panose="02020603050405020304" pitchFamily="18" charset="0"/>
-              </a:rPr>
-              <a:t> </a:t>
-            </a:r>
-            <a:r>
-              <a:rPr lang="en-US" sz="2200" dirty="0" err="1">
-                <a:solidFill>
-                  <a:schemeClr val="tx1"/>
-                </a:solidFill>
-                <a:latin typeface="Times New Roman" panose="02020603050405020304" pitchFamily="18" charset="0"/>
-                <a:cs typeface="Times New Roman" panose="02020603050405020304" pitchFamily="18" charset="0"/>
-              </a:rPr>
-              <a:t>kỹ</a:t>
-            </a:r>
-            <a:r>
-              <a:rPr lang="en-US" sz="2200" dirty="0">
-                <a:solidFill>
-                  <a:schemeClr val="tx1"/>
-                </a:solidFill>
-                <a:latin typeface="Times New Roman" panose="02020603050405020304" pitchFamily="18" charset="0"/>
-                <a:cs typeface="Times New Roman" panose="02020603050405020304" pitchFamily="18" charset="0"/>
-              </a:rPr>
-              <a:t> </a:t>
-            </a:r>
-            <a:r>
-              <a:rPr lang="en-US" sz="2200" dirty="0" err="1" smtClean="0">
-                <a:solidFill>
-                  <a:schemeClr val="tx1"/>
-                </a:solidFill>
-                <a:latin typeface="Times New Roman" panose="02020603050405020304" pitchFamily="18" charset="0"/>
-                <a:cs typeface="Times New Roman" panose="02020603050405020304" pitchFamily="18" charset="0"/>
-              </a:rPr>
-              <a:t>thuật</a:t>
-            </a:r>
-            <a:r>
-              <a:rPr lang="en-US" sz="2200" dirty="0">
-                <a:solidFill>
-                  <a:schemeClr val="tx1"/>
-                </a:solidFill>
-                <a:latin typeface="Times New Roman" panose="02020603050405020304" pitchFamily="18" charset="0"/>
-                <a:cs typeface="Times New Roman" panose="02020603050405020304" pitchFamily="18" charset="0"/>
-              </a:rPr>
-              <a:t> </a:t>
-            </a:r>
-            <a:r>
-              <a:rPr lang="en-US" sz="2200" dirty="0" err="1" smtClean="0">
-                <a:solidFill>
-                  <a:schemeClr val="tx1"/>
-                </a:solidFill>
-                <a:latin typeface="Times New Roman" panose="02020603050405020304" pitchFamily="18" charset="0"/>
-                <a:cs typeface="Times New Roman" panose="02020603050405020304" pitchFamily="18" charset="0"/>
-              </a:rPr>
-              <a:t>cao</a:t>
-            </a:r>
-            <a:r>
-              <a:rPr lang="en-US" sz="2200" dirty="0" smtClean="0">
-                <a:solidFill>
-                  <a:schemeClr val="tx1"/>
-                </a:solidFill>
-                <a:latin typeface="Times New Roman" panose="02020603050405020304" pitchFamily="18" charset="0"/>
-                <a:cs typeface="Times New Roman" panose="02020603050405020304" pitchFamily="18" charset="0"/>
-              </a:rPr>
-              <a:t> </a:t>
-            </a:r>
-            <a:r>
-              <a:rPr lang="en-US" sz="2200" dirty="0" err="1" smtClean="0">
-                <a:solidFill>
-                  <a:schemeClr val="tx1"/>
-                </a:solidFill>
-                <a:latin typeface="Times New Roman" panose="02020603050405020304" pitchFamily="18" charset="0"/>
-                <a:cs typeface="Times New Roman" panose="02020603050405020304" pitchFamily="18" charset="0"/>
-              </a:rPr>
-              <a:t>hơn</a:t>
-            </a:r>
-            <a:r>
-              <a:rPr lang="en-US" sz="2200" dirty="0" smtClean="0">
-                <a:solidFill>
-                  <a:schemeClr val="tx1"/>
-                </a:solidFill>
-                <a:latin typeface="Times New Roman" panose="02020603050405020304" pitchFamily="18" charset="0"/>
-                <a:cs typeface="Times New Roman" panose="02020603050405020304" pitchFamily="18" charset="0"/>
-              </a:rPr>
-              <a:t> </a:t>
-            </a:r>
-            <a:r>
-              <a:rPr lang="en-US" sz="2200" dirty="0" err="1" smtClean="0">
-                <a:solidFill>
-                  <a:schemeClr val="tx1"/>
-                </a:solidFill>
-                <a:latin typeface="Times New Roman" panose="02020603050405020304" pitchFamily="18" charset="0"/>
-                <a:cs typeface="Times New Roman" panose="02020603050405020304" pitchFamily="18" charset="0"/>
-              </a:rPr>
-              <a:t>để</a:t>
-            </a:r>
-            <a:r>
-              <a:rPr lang="en-US" sz="2200" dirty="0" smtClean="0">
-                <a:solidFill>
-                  <a:schemeClr val="tx1"/>
-                </a:solidFill>
-                <a:latin typeface="Times New Roman" panose="02020603050405020304" pitchFamily="18" charset="0"/>
-                <a:cs typeface="Times New Roman" panose="02020603050405020304" pitchFamily="18" charset="0"/>
-              </a:rPr>
-              <a:t> </a:t>
-            </a:r>
-            <a:r>
-              <a:rPr lang="en-US" sz="2200" dirty="0" err="1">
-                <a:solidFill>
-                  <a:schemeClr val="tx1"/>
-                </a:solidFill>
-                <a:latin typeface="Times New Roman" panose="02020603050405020304" pitchFamily="18" charset="0"/>
-                <a:cs typeface="Times New Roman" panose="02020603050405020304" pitchFamily="18" charset="0"/>
-              </a:rPr>
-              <a:t>phát</a:t>
-            </a:r>
-            <a:r>
-              <a:rPr lang="en-US" sz="2200" dirty="0">
-                <a:solidFill>
-                  <a:schemeClr val="tx1"/>
-                </a:solidFill>
-                <a:latin typeface="Times New Roman" panose="02020603050405020304" pitchFamily="18" charset="0"/>
-                <a:cs typeface="Times New Roman" panose="02020603050405020304" pitchFamily="18" charset="0"/>
-              </a:rPr>
-              <a:t> </a:t>
-            </a:r>
-            <a:r>
-              <a:rPr lang="en-US" sz="2200" dirty="0" err="1">
-                <a:solidFill>
-                  <a:schemeClr val="tx1"/>
-                </a:solidFill>
-                <a:latin typeface="Times New Roman" panose="02020603050405020304" pitchFamily="18" charset="0"/>
-                <a:cs typeface="Times New Roman" panose="02020603050405020304" pitchFamily="18" charset="0"/>
-              </a:rPr>
-              <a:t>triển</a:t>
-            </a:r>
-            <a:r>
-              <a:rPr lang="en-US" sz="2200" dirty="0">
-                <a:solidFill>
-                  <a:schemeClr val="tx1"/>
-                </a:solidFill>
-                <a:latin typeface="Times New Roman" panose="02020603050405020304" pitchFamily="18" charset="0"/>
-                <a:cs typeface="Times New Roman" panose="02020603050405020304" pitchFamily="18" charset="0"/>
-              </a:rPr>
-              <a:t> </a:t>
-            </a:r>
-            <a:r>
-              <a:rPr lang="en-US" sz="2200" dirty="0" err="1">
-                <a:solidFill>
-                  <a:schemeClr val="tx1"/>
-                </a:solidFill>
-                <a:latin typeface="Times New Roman" panose="02020603050405020304" pitchFamily="18" charset="0"/>
-                <a:cs typeface="Times New Roman" panose="02020603050405020304" pitchFamily="18" charset="0"/>
-              </a:rPr>
-              <a:t>mô</a:t>
-            </a:r>
-            <a:r>
-              <a:rPr lang="en-US" sz="2200" dirty="0">
-                <a:solidFill>
-                  <a:schemeClr val="tx1"/>
-                </a:solidFill>
-                <a:latin typeface="Times New Roman" panose="02020603050405020304" pitchFamily="18" charset="0"/>
-                <a:cs typeface="Times New Roman" panose="02020603050405020304" pitchFamily="18" charset="0"/>
-              </a:rPr>
-              <a:t> </a:t>
-            </a:r>
-            <a:r>
-              <a:rPr lang="en-US" sz="2200" dirty="0" err="1">
-                <a:solidFill>
-                  <a:schemeClr val="tx1"/>
-                </a:solidFill>
-                <a:latin typeface="Times New Roman" panose="02020603050405020304" pitchFamily="18" charset="0"/>
-                <a:cs typeface="Times New Roman" panose="02020603050405020304" pitchFamily="18" charset="0"/>
-              </a:rPr>
-              <a:t>hình</a:t>
-            </a:r>
-            <a:r>
-              <a:rPr lang="en-US" sz="2200" dirty="0">
-                <a:solidFill>
-                  <a:schemeClr val="tx1"/>
-                </a:solidFill>
-                <a:latin typeface="Times New Roman" panose="02020603050405020304" pitchFamily="18" charset="0"/>
-                <a:cs typeface="Times New Roman" panose="02020603050405020304" pitchFamily="18" charset="0"/>
-              </a:rPr>
-              <a:t> </a:t>
-            </a:r>
-            <a:r>
-              <a:rPr lang="en-US" sz="2200" dirty="0" err="1">
-                <a:solidFill>
-                  <a:schemeClr val="tx1"/>
-                </a:solidFill>
-                <a:latin typeface="Times New Roman" panose="02020603050405020304" pitchFamily="18" charset="0"/>
-                <a:cs typeface="Times New Roman" panose="02020603050405020304" pitchFamily="18" charset="0"/>
-              </a:rPr>
-              <a:t>căn</a:t>
-            </a:r>
-            <a:r>
-              <a:rPr lang="en-US" sz="2200" dirty="0">
-                <a:solidFill>
-                  <a:schemeClr val="tx1"/>
-                </a:solidFill>
-                <a:latin typeface="Times New Roman" panose="02020603050405020304" pitchFamily="18" charset="0"/>
-                <a:cs typeface="Times New Roman" panose="02020603050405020304" pitchFamily="18" charset="0"/>
-              </a:rPr>
-              <a:t> </a:t>
-            </a:r>
-            <a:r>
-              <a:rPr lang="en-US" sz="2200" dirty="0" err="1">
-                <a:solidFill>
-                  <a:schemeClr val="tx1"/>
-                </a:solidFill>
-                <a:latin typeface="Times New Roman" panose="02020603050405020304" pitchFamily="18" charset="0"/>
-                <a:cs typeface="Times New Roman" panose="02020603050405020304" pitchFamily="18" charset="0"/>
-              </a:rPr>
-              <a:t>cứ</a:t>
-            </a:r>
-            <a:r>
-              <a:rPr lang="en-US" sz="2200" dirty="0">
-                <a:solidFill>
-                  <a:schemeClr val="tx1"/>
-                </a:solidFill>
-                <a:latin typeface="Times New Roman" panose="02020603050405020304" pitchFamily="18" charset="0"/>
-                <a:cs typeface="Times New Roman" panose="02020603050405020304" pitchFamily="18" charset="0"/>
-              </a:rPr>
-              <a:t> </a:t>
-            </a:r>
-            <a:r>
-              <a:rPr lang="en-US" sz="2200" dirty="0" err="1">
-                <a:solidFill>
-                  <a:schemeClr val="tx1"/>
-                </a:solidFill>
-                <a:latin typeface="Times New Roman" panose="02020603050405020304" pitchFamily="18" charset="0"/>
-                <a:cs typeface="Times New Roman" panose="02020603050405020304" pitchFamily="18" charset="0"/>
-              </a:rPr>
-              <a:t>vào</a:t>
-            </a:r>
-            <a:r>
-              <a:rPr lang="en-US" sz="2200" dirty="0">
-                <a:solidFill>
-                  <a:schemeClr val="tx1"/>
-                </a:solidFill>
-                <a:latin typeface="Times New Roman" panose="02020603050405020304" pitchFamily="18" charset="0"/>
-                <a:cs typeface="Times New Roman" panose="02020603050405020304" pitchFamily="18" charset="0"/>
-              </a:rPr>
-              <a:t> </a:t>
-            </a:r>
-            <a:r>
-              <a:rPr lang="en-US" sz="2200" dirty="0" err="1">
-                <a:solidFill>
-                  <a:schemeClr val="tx1"/>
-                </a:solidFill>
-                <a:latin typeface="Times New Roman" panose="02020603050405020304" pitchFamily="18" charset="0"/>
-                <a:cs typeface="Times New Roman" panose="02020603050405020304" pitchFamily="18" charset="0"/>
-              </a:rPr>
-              <a:t>những</a:t>
-            </a:r>
-            <a:r>
-              <a:rPr lang="en-US" sz="2200" dirty="0">
-                <a:solidFill>
-                  <a:schemeClr val="tx1"/>
-                </a:solidFill>
-                <a:latin typeface="Times New Roman" panose="02020603050405020304" pitchFamily="18" charset="0"/>
-                <a:cs typeface="Times New Roman" panose="02020603050405020304" pitchFamily="18" charset="0"/>
-              </a:rPr>
-              <a:t> </a:t>
-            </a:r>
-            <a:r>
-              <a:rPr lang="en-US" sz="2200" dirty="0" err="1">
-                <a:solidFill>
-                  <a:schemeClr val="tx1"/>
-                </a:solidFill>
-                <a:latin typeface="Times New Roman" panose="02020603050405020304" pitchFamily="18" charset="0"/>
-                <a:cs typeface="Times New Roman" panose="02020603050405020304" pitchFamily="18" charset="0"/>
-              </a:rPr>
-              <a:t>thuộc</a:t>
-            </a:r>
-            <a:r>
-              <a:rPr lang="en-US" sz="2200" dirty="0">
-                <a:solidFill>
-                  <a:schemeClr val="tx1"/>
-                </a:solidFill>
-                <a:latin typeface="Times New Roman" panose="02020603050405020304" pitchFamily="18" charset="0"/>
-                <a:cs typeface="Times New Roman" panose="02020603050405020304" pitchFamily="18" charset="0"/>
-              </a:rPr>
-              <a:t> </a:t>
-            </a:r>
-            <a:r>
-              <a:rPr lang="en-US" sz="2200" dirty="0" err="1">
-                <a:solidFill>
-                  <a:schemeClr val="tx1"/>
-                </a:solidFill>
-                <a:latin typeface="Times New Roman" panose="02020603050405020304" pitchFamily="18" charset="0"/>
-                <a:cs typeface="Times New Roman" panose="02020603050405020304" pitchFamily="18" charset="0"/>
-              </a:rPr>
-              <a:t>tính</a:t>
-            </a:r>
-            <a:r>
-              <a:rPr lang="en-US" sz="2200" dirty="0">
-                <a:solidFill>
-                  <a:schemeClr val="tx1"/>
-                </a:solidFill>
-                <a:latin typeface="Times New Roman" panose="02020603050405020304" pitchFamily="18" charset="0"/>
-                <a:cs typeface="Times New Roman" panose="02020603050405020304" pitchFamily="18" charset="0"/>
-              </a:rPr>
-              <a:t> </a:t>
-            </a:r>
-            <a:r>
-              <a:rPr lang="en-US" sz="2200" dirty="0" err="1">
-                <a:solidFill>
-                  <a:schemeClr val="tx1"/>
-                </a:solidFill>
-                <a:latin typeface="Times New Roman" panose="02020603050405020304" pitchFamily="18" charset="0"/>
-                <a:cs typeface="Times New Roman" panose="02020603050405020304" pitchFamily="18" charset="0"/>
-              </a:rPr>
-              <a:t>để</a:t>
-            </a:r>
-            <a:r>
-              <a:rPr lang="en-US" sz="2200" dirty="0">
-                <a:solidFill>
-                  <a:schemeClr val="tx1"/>
-                </a:solidFill>
-                <a:latin typeface="Times New Roman" panose="02020603050405020304" pitchFamily="18" charset="0"/>
-                <a:cs typeface="Times New Roman" panose="02020603050405020304" pitchFamily="18" charset="0"/>
-              </a:rPr>
-              <a:t> </a:t>
-            </a:r>
-            <a:r>
-              <a:rPr lang="en-US" sz="2200" dirty="0" err="1">
-                <a:solidFill>
-                  <a:schemeClr val="tx1"/>
-                </a:solidFill>
-                <a:latin typeface="Times New Roman" panose="02020603050405020304" pitchFamily="18" charset="0"/>
-                <a:cs typeface="Times New Roman" panose="02020603050405020304" pitchFamily="18" charset="0"/>
-              </a:rPr>
-              <a:t>dựa</a:t>
-            </a:r>
-            <a:r>
-              <a:rPr lang="en-US" sz="2200" dirty="0">
-                <a:solidFill>
-                  <a:schemeClr val="tx1"/>
-                </a:solidFill>
-                <a:latin typeface="Times New Roman" panose="02020603050405020304" pitchFamily="18" charset="0"/>
-                <a:cs typeface="Times New Roman" panose="02020603050405020304" pitchFamily="18" charset="0"/>
-              </a:rPr>
-              <a:t> </a:t>
-            </a:r>
-            <a:r>
-              <a:rPr lang="en-US" sz="2200" dirty="0" err="1">
-                <a:solidFill>
-                  <a:schemeClr val="tx1"/>
-                </a:solidFill>
-                <a:latin typeface="Times New Roman" panose="02020603050405020304" pitchFamily="18" charset="0"/>
-                <a:cs typeface="Times New Roman" panose="02020603050405020304" pitchFamily="18" charset="0"/>
-              </a:rPr>
-              <a:t>vào</a:t>
-            </a:r>
-            <a:r>
-              <a:rPr lang="en-US" sz="2200" dirty="0">
-                <a:solidFill>
-                  <a:schemeClr val="tx1"/>
-                </a:solidFill>
-                <a:latin typeface="Times New Roman" panose="02020603050405020304" pitchFamily="18" charset="0"/>
-                <a:cs typeface="Times New Roman" panose="02020603050405020304" pitchFamily="18" charset="0"/>
-              </a:rPr>
-              <a:t> </a:t>
-            </a:r>
-            <a:r>
-              <a:rPr lang="en-US" sz="2200" dirty="0" err="1">
-                <a:solidFill>
-                  <a:schemeClr val="tx1"/>
-                </a:solidFill>
-                <a:latin typeface="Times New Roman" panose="02020603050405020304" pitchFamily="18" charset="0"/>
-                <a:cs typeface="Times New Roman" panose="02020603050405020304" pitchFamily="18" charset="0"/>
-              </a:rPr>
-              <a:t>đó</a:t>
-            </a:r>
-            <a:r>
-              <a:rPr lang="en-US" sz="2200" dirty="0">
-                <a:solidFill>
-                  <a:schemeClr val="tx1"/>
-                </a:solidFill>
-                <a:latin typeface="Times New Roman" panose="02020603050405020304" pitchFamily="18" charset="0"/>
-                <a:cs typeface="Times New Roman" panose="02020603050405020304" pitchFamily="18" charset="0"/>
-              </a:rPr>
-              <a:t> </a:t>
-            </a:r>
-            <a:r>
-              <a:rPr lang="en-US" sz="2200" dirty="0" err="1">
-                <a:solidFill>
-                  <a:schemeClr val="tx1"/>
-                </a:solidFill>
-                <a:latin typeface="Times New Roman" panose="02020603050405020304" pitchFamily="18" charset="0"/>
-                <a:cs typeface="Times New Roman" panose="02020603050405020304" pitchFamily="18" charset="0"/>
-              </a:rPr>
-              <a:t>đưa</a:t>
-            </a:r>
-            <a:r>
-              <a:rPr lang="en-US" sz="2200" dirty="0">
-                <a:solidFill>
-                  <a:schemeClr val="tx1"/>
-                </a:solidFill>
-                <a:latin typeface="Times New Roman" panose="02020603050405020304" pitchFamily="18" charset="0"/>
-                <a:cs typeface="Times New Roman" panose="02020603050405020304" pitchFamily="18" charset="0"/>
-              </a:rPr>
-              <a:t> </a:t>
-            </a:r>
-            <a:r>
-              <a:rPr lang="en-US" sz="2200" dirty="0" err="1">
-                <a:solidFill>
-                  <a:schemeClr val="tx1"/>
-                </a:solidFill>
-                <a:latin typeface="Times New Roman" panose="02020603050405020304" pitchFamily="18" charset="0"/>
-                <a:cs typeface="Times New Roman" panose="02020603050405020304" pitchFamily="18" charset="0"/>
-              </a:rPr>
-              <a:t>ra</a:t>
-            </a:r>
-            <a:r>
-              <a:rPr lang="en-US" sz="2200" dirty="0">
-                <a:solidFill>
-                  <a:schemeClr val="tx1"/>
-                </a:solidFill>
-                <a:latin typeface="Times New Roman" panose="02020603050405020304" pitchFamily="18" charset="0"/>
-                <a:cs typeface="Times New Roman" panose="02020603050405020304" pitchFamily="18" charset="0"/>
-              </a:rPr>
-              <a:t> </a:t>
-            </a:r>
-            <a:r>
-              <a:rPr lang="en-US" sz="2200" dirty="0" err="1">
-                <a:solidFill>
-                  <a:schemeClr val="tx1"/>
-                </a:solidFill>
-                <a:latin typeface="Times New Roman" panose="02020603050405020304" pitchFamily="18" charset="0"/>
-                <a:cs typeface="Times New Roman" panose="02020603050405020304" pitchFamily="18" charset="0"/>
-              </a:rPr>
-              <a:t>câu</a:t>
-            </a:r>
-            <a:r>
-              <a:rPr lang="en-US" sz="2200" dirty="0">
-                <a:solidFill>
-                  <a:schemeClr val="tx1"/>
-                </a:solidFill>
-                <a:latin typeface="Times New Roman" panose="02020603050405020304" pitchFamily="18" charset="0"/>
-                <a:cs typeface="Times New Roman" panose="02020603050405020304" pitchFamily="18" charset="0"/>
-              </a:rPr>
-              <a:t> </a:t>
-            </a:r>
-            <a:r>
-              <a:rPr lang="en-US" sz="2200" dirty="0" err="1">
-                <a:solidFill>
-                  <a:schemeClr val="tx1"/>
-                </a:solidFill>
-                <a:latin typeface="Times New Roman" panose="02020603050405020304" pitchFamily="18" charset="0"/>
-                <a:cs typeface="Times New Roman" panose="02020603050405020304" pitchFamily="18" charset="0"/>
-              </a:rPr>
-              <a:t>bình</a:t>
-            </a:r>
-            <a:r>
-              <a:rPr lang="en-US" sz="2200" dirty="0">
-                <a:solidFill>
-                  <a:schemeClr val="tx1"/>
-                </a:solidFill>
-                <a:latin typeface="Times New Roman" panose="02020603050405020304" pitchFamily="18" charset="0"/>
-                <a:cs typeface="Times New Roman" panose="02020603050405020304" pitchFamily="18" charset="0"/>
-              </a:rPr>
-              <a:t> </a:t>
-            </a:r>
-            <a:r>
-              <a:rPr lang="en-US" sz="2200" dirty="0" err="1">
-                <a:solidFill>
-                  <a:schemeClr val="tx1"/>
-                </a:solidFill>
-                <a:latin typeface="Times New Roman" panose="02020603050405020304" pitchFamily="18" charset="0"/>
-                <a:cs typeface="Times New Roman" panose="02020603050405020304" pitchFamily="18" charset="0"/>
-              </a:rPr>
-              <a:t>luận</a:t>
-            </a:r>
-            <a:r>
-              <a:rPr lang="en-US" sz="2200" dirty="0">
-                <a:solidFill>
-                  <a:schemeClr val="tx1"/>
-                </a:solidFill>
-                <a:latin typeface="Times New Roman" panose="02020603050405020304" pitchFamily="18" charset="0"/>
-                <a:cs typeface="Times New Roman" panose="02020603050405020304" pitchFamily="18" charset="0"/>
-              </a:rPr>
-              <a:t> </a:t>
-            </a:r>
-            <a:r>
-              <a:rPr lang="en-US" sz="2200" dirty="0" err="1">
-                <a:solidFill>
-                  <a:schemeClr val="tx1"/>
-                </a:solidFill>
-                <a:latin typeface="Times New Roman" panose="02020603050405020304" pitchFamily="18" charset="0"/>
-                <a:cs typeface="Times New Roman" panose="02020603050405020304" pitchFamily="18" charset="0"/>
-              </a:rPr>
-              <a:t>đáng</a:t>
-            </a:r>
-            <a:r>
-              <a:rPr lang="en-US" sz="2200" dirty="0">
-                <a:solidFill>
-                  <a:schemeClr val="tx1"/>
-                </a:solidFill>
-                <a:latin typeface="Times New Roman" panose="02020603050405020304" pitchFamily="18" charset="0"/>
-                <a:cs typeface="Times New Roman" panose="02020603050405020304" pitchFamily="18" charset="0"/>
-              </a:rPr>
-              <a:t> tin </a:t>
-            </a:r>
-            <a:r>
-              <a:rPr lang="en-US" sz="2200" dirty="0" err="1">
-                <a:solidFill>
-                  <a:schemeClr val="tx1"/>
-                </a:solidFill>
-                <a:latin typeface="Times New Roman" panose="02020603050405020304" pitchFamily="18" charset="0"/>
-                <a:cs typeface="Times New Roman" panose="02020603050405020304" pitchFamily="18" charset="0"/>
-              </a:rPr>
-              <a:t>và</a:t>
-            </a:r>
-            <a:r>
-              <a:rPr lang="en-US" sz="2200" dirty="0">
-                <a:solidFill>
-                  <a:schemeClr val="tx1"/>
-                </a:solidFill>
-                <a:latin typeface="Times New Roman" panose="02020603050405020304" pitchFamily="18" charset="0"/>
-                <a:cs typeface="Times New Roman" panose="02020603050405020304" pitchFamily="18" charset="0"/>
-              </a:rPr>
-              <a:t> </a:t>
-            </a:r>
-            <a:r>
-              <a:rPr lang="en-US" sz="2200" dirty="0" err="1">
-                <a:solidFill>
-                  <a:schemeClr val="tx1"/>
-                </a:solidFill>
-                <a:latin typeface="Times New Roman" panose="02020603050405020304" pitchFamily="18" charset="0"/>
-                <a:cs typeface="Times New Roman" panose="02020603050405020304" pitchFamily="18" charset="0"/>
-              </a:rPr>
-              <a:t>hợp</a:t>
-            </a:r>
-            <a:r>
-              <a:rPr lang="en-US" sz="2200" dirty="0">
-                <a:solidFill>
-                  <a:schemeClr val="tx1"/>
-                </a:solidFill>
-                <a:latin typeface="Times New Roman" panose="02020603050405020304" pitchFamily="18" charset="0"/>
-                <a:cs typeface="Times New Roman" panose="02020603050405020304" pitchFamily="18" charset="0"/>
-              </a:rPr>
-              <a:t> </a:t>
-            </a:r>
-            <a:r>
-              <a:rPr lang="en-US" sz="2200" dirty="0" err="1">
-                <a:solidFill>
-                  <a:schemeClr val="tx1"/>
-                </a:solidFill>
-                <a:latin typeface="Times New Roman" panose="02020603050405020304" pitchFamily="18" charset="0"/>
-                <a:cs typeface="Times New Roman" panose="02020603050405020304" pitchFamily="18" charset="0"/>
-              </a:rPr>
-              <a:t>lý</a:t>
-            </a:r>
-            <a:r>
-              <a:rPr lang="en-US" sz="2200" dirty="0">
-                <a:solidFill>
-                  <a:schemeClr val="tx1"/>
-                </a:solidFill>
-                <a:latin typeface="Times New Roman" panose="02020603050405020304" pitchFamily="18" charset="0"/>
-                <a:cs typeface="Times New Roman" panose="02020603050405020304" pitchFamily="18" charset="0"/>
-              </a:rPr>
-              <a:t> </a:t>
-            </a:r>
-            <a:r>
-              <a:rPr lang="en-US" sz="2200" dirty="0" err="1">
-                <a:solidFill>
-                  <a:schemeClr val="tx1"/>
-                </a:solidFill>
-                <a:latin typeface="Times New Roman" panose="02020603050405020304" pitchFamily="18" charset="0"/>
-                <a:cs typeface="Times New Roman" panose="02020603050405020304" pitchFamily="18" charset="0"/>
-              </a:rPr>
-              <a:t>hơn</a:t>
-            </a:r>
-            <a:r>
-              <a:rPr lang="en-US" sz="2200" dirty="0">
-                <a:solidFill>
-                  <a:schemeClr val="tx1"/>
-                </a:solidFill>
-                <a:latin typeface="Times New Roman" panose="02020603050405020304" pitchFamily="18" charset="0"/>
-                <a:cs typeface="Times New Roman" panose="02020603050405020304" pitchFamily="18" charset="0"/>
-              </a:rPr>
-              <a:t> </a:t>
-            </a:r>
-            <a:r>
-              <a:rPr lang="en-US" sz="2200" dirty="0" err="1">
-                <a:solidFill>
-                  <a:schemeClr val="tx1"/>
-                </a:solidFill>
-                <a:latin typeface="Times New Roman" panose="02020603050405020304" pitchFamily="18" charset="0"/>
-                <a:cs typeface="Times New Roman" panose="02020603050405020304" pitchFamily="18" charset="0"/>
-              </a:rPr>
-              <a:t>cho</a:t>
-            </a:r>
-            <a:r>
-              <a:rPr lang="en-US" sz="2200" dirty="0">
-                <a:solidFill>
-                  <a:schemeClr val="tx1"/>
-                </a:solidFill>
-                <a:latin typeface="Times New Roman" panose="02020603050405020304" pitchFamily="18" charset="0"/>
-                <a:cs typeface="Times New Roman" panose="02020603050405020304" pitchFamily="18" charset="0"/>
-              </a:rPr>
-              <a:t> </a:t>
-            </a:r>
-            <a:r>
-              <a:rPr lang="en-US" sz="2200" dirty="0" err="1">
-                <a:solidFill>
-                  <a:schemeClr val="tx1"/>
-                </a:solidFill>
-                <a:latin typeface="Times New Roman" panose="02020603050405020304" pitchFamily="18" charset="0"/>
-                <a:cs typeface="Times New Roman" panose="02020603050405020304" pitchFamily="18" charset="0"/>
-              </a:rPr>
-              <a:t>người</a:t>
-            </a:r>
-            <a:r>
-              <a:rPr lang="en-US" sz="2200" dirty="0">
-                <a:solidFill>
-                  <a:schemeClr val="tx1"/>
-                </a:solidFill>
-                <a:latin typeface="Times New Roman" panose="02020603050405020304" pitchFamily="18" charset="0"/>
-                <a:cs typeface="Times New Roman" panose="02020603050405020304" pitchFamily="18" charset="0"/>
-              </a:rPr>
-              <a:t> </a:t>
-            </a:r>
-            <a:r>
-              <a:rPr lang="en-US" sz="2200" dirty="0" err="1">
-                <a:solidFill>
-                  <a:schemeClr val="tx1"/>
-                </a:solidFill>
-                <a:latin typeface="Times New Roman" panose="02020603050405020304" pitchFamily="18" charset="0"/>
-                <a:cs typeface="Times New Roman" panose="02020603050405020304" pitchFamily="18" charset="0"/>
-              </a:rPr>
-              <a:t>dùng</a:t>
-            </a:r>
-            <a:r>
-              <a:rPr lang="en-US" sz="2200" dirty="0">
-                <a:solidFill>
-                  <a:schemeClr val="tx1"/>
-                </a:solidFill>
-                <a:latin typeface="Times New Roman" panose="02020603050405020304" pitchFamily="18" charset="0"/>
-                <a:cs typeface="Times New Roman" panose="02020603050405020304" pitchFamily="18" charset="0"/>
-              </a:rPr>
-              <a:t>.</a:t>
-            </a:r>
-          </a:p>
-          <a:p>
-            <a:endParaRPr lang="en-US" dirty="0"/>
-          </a:p>
-        </p:txBody>
-      </p:sp>
-    </p:spTree>
-    <p:extLst>
-      <p:ext uri="{BB962C8B-B14F-4D97-AF65-F5344CB8AC3E}">
-        <p14:creationId xmlns:p14="http://schemas.microsoft.com/office/powerpoint/2010/main" val="1678844871"/>
-      </p:ext>
-    </p:extLst>
-  </p:cSld>
-  <p:clrMapOvr>
-    <a:masterClrMapping/>
-  </p:clrMapOvr>
-  <p:timing>
-    <p:tnLst>
-      <p:par>
-        <p:cTn id="1" dur="indefinite" restart="never" nodeType="tmRoot">
-          <p:childTnLst>
-            <p:seq concurrent="1" nextAc="seek">
-              <p:cTn id="2" dur="indefinite" nodeType="mainSeq">
-                <p:childTnLst>
-                  <p:par>
-                    <p:cTn id="3" fill="hold">
-                      <p:stCondLst>
-                        <p:cond delay="indefinite"/>
-                      </p:stCondLst>
-                      <p:childTnLst>
-                        <p:par>
-                          <p:cTn id="4" fill="hold">
-                            <p:stCondLst>
-                              <p:cond delay="0"/>
-                            </p:stCondLst>
-                            <p:childTnLst>
-                              <p:par>
-                                <p:cTn id="5" presetID="10" presetClass="entr" presetSubtype="0" fill="hold" nodeType="clickEffect">
-                                  <p:stCondLst>
-                                    <p:cond delay="0"/>
-                                  </p:stCondLst>
-                                  <p:childTnLst>
-                                    <p:set>
-                                      <p:cBhvr>
-                                        <p:cTn id="6" dur="1" fill="hold">
-                                          <p:stCondLst>
-                                            <p:cond delay="0"/>
-                                          </p:stCondLst>
-                                        </p:cTn>
-                                        <p:tgtEl>
-                                          <p:spTgt spid="3">
-                                            <p:txEl>
-                                              <p:pRg st="0" end="0"/>
-                                            </p:txEl>
-                                          </p:spTgt>
-                                        </p:tgtEl>
-                                        <p:attrNameLst>
-                                          <p:attrName>style.visibility</p:attrName>
-                                        </p:attrNameLst>
-                                      </p:cBhvr>
-                                      <p:to>
-                                        <p:strVal val="visible"/>
-                                      </p:to>
-                                    </p:set>
-                                    <p:animEffect transition="in" filter="fade">
-                                      <p:cBhvr>
-                                        <p:cTn id="7" dur="500"/>
-                                        <p:tgtEl>
-                                          <p:spTgt spid="3">
-                                            <p:txEl>
-                                              <p:pRg st="0" end="0"/>
-                                            </p:txEl>
-                                          </p:spTgt>
-                                        </p:tgtEl>
-                                      </p:cBhvr>
-                                    </p:animEffect>
-                                  </p:childTnLst>
-                                </p:cTn>
-                              </p:par>
-                            </p:childTnLst>
-                          </p:cTn>
-                        </p:par>
-                      </p:childTnLst>
-                    </p:cTn>
-                  </p:par>
-                  <p:par>
-                    <p:cTn id="8" fill="hold">
-                      <p:stCondLst>
-                        <p:cond delay="indefinite"/>
-                      </p:stCondLst>
-                      <p:childTnLst>
-                        <p:par>
-                          <p:cTn id="9" fill="hold">
-                            <p:stCondLst>
-                              <p:cond delay="0"/>
-                            </p:stCondLst>
-                            <p:childTnLst>
-                              <p:par>
-                                <p:cTn id="10" presetID="10" presetClass="entr" presetSubtype="0" fill="hold" nodeType="clickEffect">
-                                  <p:stCondLst>
-                                    <p:cond delay="0"/>
-                                  </p:stCondLst>
-                                  <p:childTnLst>
-                                    <p:set>
-                                      <p:cBhvr>
-                                        <p:cTn id="11" dur="1" fill="hold">
-                                          <p:stCondLst>
-                                            <p:cond delay="0"/>
-                                          </p:stCondLst>
-                                        </p:cTn>
-                                        <p:tgtEl>
-                                          <p:spTgt spid="3">
-                                            <p:txEl>
-                                              <p:pRg st="1" end="1"/>
-                                            </p:txEl>
-                                          </p:spTgt>
-                                        </p:tgtEl>
-                                        <p:attrNameLst>
-                                          <p:attrName>style.visibility</p:attrName>
-                                        </p:attrNameLst>
-                                      </p:cBhvr>
-                                      <p:to>
-                                        <p:strVal val="visible"/>
-                                      </p:to>
-                                    </p:set>
-                                    <p:animEffect transition="in" filter="fade">
-                                      <p:cBhvr>
-                                        <p:cTn id="12" dur="500"/>
-                                        <p:tgtEl>
-                                          <p:spTgt spid="3">
-                                            <p:txEl>
-                                              <p:pRg st="1" end="1"/>
-                                            </p:txEl>
-                                          </p:spTgt>
-                                        </p:tgtEl>
-                                      </p:cBhvr>
-                                    </p:animEffect>
-                                  </p:childTnLst>
-                                </p:cTn>
-                              </p:par>
-                            </p:childTnLst>
-                          </p:cTn>
-                        </p:par>
-                      </p:childTnLst>
-                    </p:cTn>
-                  </p:par>
-                  <p:par>
-                    <p:cTn id="13" fill="hold">
-                      <p:stCondLst>
-                        <p:cond delay="indefinite"/>
-                      </p:stCondLst>
-                      <p:childTnLst>
-                        <p:par>
-                          <p:cTn id="14" fill="hold">
-                            <p:stCondLst>
-                              <p:cond delay="0"/>
-                            </p:stCondLst>
-                            <p:childTnLst>
-                              <p:par>
-                                <p:cTn id="15" presetID="10" presetClass="entr" presetSubtype="0" fill="hold" nodeType="clickEffect">
-                                  <p:stCondLst>
-                                    <p:cond delay="0"/>
-                                  </p:stCondLst>
-                                  <p:childTnLst>
-                                    <p:set>
-                                      <p:cBhvr>
-                                        <p:cTn id="16" dur="1" fill="hold">
-                                          <p:stCondLst>
-                                            <p:cond delay="0"/>
-                                          </p:stCondLst>
-                                        </p:cTn>
-                                        <p:tgtEl>
-                                          <p:spTgt spid="3">
-                                            <p:txEl>
-                                              <p:pRg st="2" end="2"/>
-                                            </p:txEl>
-                                          </p:spTgt>
-                                        </p:tgtEl>
-                                        <p:attrNameLst>
-                                          <p:attrName>style.visibility</p:attrName>
-                                        </p:attrNameLst>
-                                      </p:cBhvr>
-                                      <p:to>
-                                        <p:strVal val="visible"/>
-                                      </p:to>
-                                    </p:set>
-                                    <p:animEffect transition="in" filter="fade">
-                                      <p:cBhvr>
-                                        <p:cTn id="17" dur="500"/>
-                                        <p:tgtEl>
-                                          <p:spTgt spid="3">
-                                            <p:txEl>
-                                              <p:pRg st="2" end="2"/>
-                                            </p:txEl>
-                                          </p:spTgt>
-                                        </p:tgtEl>
-                                      </p:cBhvr>
-                                    </p:animEffect>
-                                  </p:childTnLst>
-                                </p:cTn>
-                              </p:par>
-                            </p:childTnLst>
-                          </p:cTn>
-                        </p:par>
-                      </p:childTnLst>
-                    </p:cTn>
-                  </p:par>
-                  <p:par>
-                    <p:cTn id="18" fill="hold">
-                      <p:stCondLst>
-                        <p:cond delay="indefinite"/>
-                      </p:stCondLst>
-                      <p:childTnLst>
-                        <p:par>
-                          <p:cTn id="19" fill="hold">
-                            <p:stCondLst>
-                              <p:cond delay="0"/>
-                            </p:stCondLst>
-                            <p:childTnLst>
-                              <p:par>
-                                <p:cTn id="20" presetID="10" presetClass="entr" presetSubtype="0" fill="hold" nodeType="clickEffect">
-                                  <p:stCondLst>
-                                    <p:cond delay="0"/>
-                                  </p:stCondLst>
-                                  <p:childTnLst>
-                                    <p:set>
-                                      <p:cBhvr>
-                                        <p:cTn id="21" dur="1" fill="hold">
-                                          <p:stCondLst>
-                                            <p:cond delay="0"/>
-                                          </p:stCondLst>
-                                        </p:cTn>
-                                        <p:tgtEl>
-                                          <p:spTgt spid="3">
-                                            <p:txEl>
-                                              <p:pRg st="3" end="3"/>
-                                            </p:txEl>
-                                          </p:spTgt>
-                                        </p:tgtEl>
-                                        <p:attrNameLst>
-                                          <p:attrName>style.visibility</p:attrName>
-                                        </p:attrNameLst>
-                                      </p:cBhvr>
-                                      <p:to>
-                                        <p:strVal val="visible"/>
-                                      </p:to>
-                                    </p:set>
-                                    <p:animEffect transition="in" filter="fade">
-                                      <p:cBhvr>
-                                        <p:cTn id="22" dur="500"/>
-                                        <p:tgtEl>
-                                          <p:spTgt spid="3">
-                                            <p:txEl>
-                                              <p:pRg st="3" end="3"/>
-                                            </p:txEl>
-                                          </p:spTgt>
-                                        </p:tgtEl>
-                                      </p:cBhvr>
-                                    </p:animEffect>
-                                  </p:childTnLst>
-                                </p:cTn>
-                              </p:par>
-                            </p:childTnLst>
-                          </p:cTn>
-                        </p:par>
-                      </p:childTnLst>
-                    </p:cTn>
-                  </p:par>
-                </p:childTnLst>
-              </p:cTn>
-              <p:prevCondLst>
-                <p:cond evt="onPrev" delay="0">
-                  <p:tgtEl>
-                    <p:sldTgt/>
-                  </p:tgtEl>
-                </p:cond>
-              </p:prevCondLst>
-              <p:nextCondLst>
-                <p:cond evt="onNext" delay="0">
-                  <p:tgtEl>
-                    <p:sldTgt/>
-                  </p:tgtEl>
-                </p:cond>
-              </p:nextCondLst>
-            </p:seq>
-          </p:childTnLst>
-        </p:cTn>
-      </p:par>
-    </p:tnLst>
-  </p:timing>
-</p:sld>
-</file>
-
 <file path=ppt/slides/slide2.xml><?xml version="1.0" encoding="utf-8"?>
 <p:sld xmlns:a="http://schemas.openxmlformats.org/drawingml/2006/main" xmlns:r="http://schemas.openxmlformats.org/officeDocument/2006/relationships" xmlns:p="http://schemas.openxmlformats.org/presentationml/2006/main">
   <p:cSld>
@@ -15282,6 +13886,1701 @@
             <p:ph type="title"/>
           </p:nvPr>
         </p:nvSpPr>
+        <p:spPr>
+          <a:xfrm>
+            <a:off x="677334" y="609600"/>
+            <a:ext cx="8814396" cy="1320800"/>
+          </a:xfrm>
+        </p:spPr>
+        <p:txBody>
+          <a:bodyPr>
+            <a:normAutofit/>
+          </a:bodyPr>
+          <a:lstStyle/>
+          <a:p>
+            <a:r>
+              <a:rPr lang="en-US" sz="4000" dirty="0">
+                <a:effectLst>
+                  <a:outerShdw blurRad="38100" dist="38100" dir="2700000" algn="tl">
+                    <a:srgbClr val="000000">
+                      <a:alpha val="43137"/>
+                    </a:srgbClr>
+                  </a:outerShdw>
+                </a:effectLst>
+                <a:latin typeface="Times New Roman" panose="02020603050405020304" pitchFamily="18" charset="0"/>
+                <a:cs typeface="Times New Roman" panose="02020603050405020304" pitchFamily="18" charset="0"/>
+              </a:rPr>
+              <a:t>5</a:t>
+            </a:r>
+            <a:r>
+              <a:rPr lang="en-US" sz="4000" dirty="0" smtClean="0">
+                <a:effectLst>
+                  <a:outerShdw blurRad="38100" dist="38100" dir="2700000" algn="tl">
+                    <a:srgbClr val="000000">
+                      <a:alpha val="43137"/>
+                    </a:srgbClr>
+                  </a:outerShdw>
+                </a:effectLst>
+                <a:latin typeface="Times New Roman" panose="02020603050405020304" pitchFamily="18" charset="0"/>
+                <a:cs typeface="Times New Roman" panose="02020603050405020304" pitchFamily="18" charset="0"/>
+              </a:rPr>
+              <a:t>. </a:t>
+            </a:r>
+            <a:r>
+              <a:rPr lang="en-US" sz="4000" dirty="0">
+                <a:effectLst>
+                  <a:outerShdw blurRad="38100" dist="38100" dir="2700000" algn="tl">
+                    <a:srgbClr val="000000">
+                      <a:alpha val="43137"/>
+                    </a:srgbClr>
+                  </a:outerShdw>
+                </a:effectLst>
+                <a:latin typeface="Times New Roman" panose="02020603050405020304" pitchFamily="18" charset="0"/>
+                <a:cs typeface="Times New Roman" panose="02020603050405020304" pitchFamily="18" charset="0"/>
+              </a:rPr>
+              <a:t>TỔNG KẾT &amp; HƯỚNG PHÁT TRIỂN</a:t>
+            </a:r>
+            <a:endParaRPr lang="en-US" sz="4000" dirty="0">
+              <a:effectLst>
+                <a:outerShdw blurRad="38100" dist="38100" dir="2700000" algn="tl">
+                  <a:srgbClr val="000000">
+                    <a:alpha val="43137"/>
+                  </a:srgbClr>
+                </a:outerShdw>
+              </a:effectLst>
+            </a:endParaRPr>
+          </a:p>
+        </p:txBody>
+      </p:sp>
+      <p:sp>
+        <p:nvSpPr>
+          <p:cNvPr id="3" name="Content Placeholder 2"/>
+          <p:cNvSpPr>
+            <a:spLocks noGrp="1"/>
+          </p:cNvSpPr>
+          <p:nvPr>
+            <p:ph idx="1"/>
+          </p:nvPr>
+        </p:nvSpPr>
+        <p:spPr>
+          <a:xfrm>
+            <a:off x="677334" y="2160589"/>
+            <a:ext cx="8312120" cy="3880773"/>
+          </a:xfrm>
+        </p:spPr>
+        <p:txBody>
+          <a:bodyPr/>
+          <a:lstStyle/>
+          <a:p>
+            <a:r>
+              <a:rPr lang="en-US" sz="2500" b="1" dirty="0" smtClean="0">
+                <a:solidFill>
+                  <a:schemeClr val="tx1"/>
+                </a:solidFill>
+                <a:latin typeface="Times New Roman" panose="02020603050405020304" pitchFamily="18" charset="0"/>
+                <a:cs typeface="Times New Roman" panose="02020603050405020304" pitchFamily="18" charset="0"/>
+              </a:rPr>
+              <a:t>HƯỚNG PHÁT TRIỂN:</a:t>
+            </a:r>
+          </a:p>
+          <a:p>
+            <a:pPr marL="0" indent="0" algn="just">
+              <a:buNone/>
+            </a:pPr>
+            <a:r>
+              <a:rPr lang="en-US" sz="2200" dirty="0">
+                <a:solidFill>
+                  <a:schemeClr val="tx1"/>
+                </a:solidFill>
+                <a:latin typeface="Times New Roman" panose="02020603050405020304" pitchFamily="18" charset="0"/>
+                <a:cs typeface="Times New Roman" panose="02020603050405020304" pitchFamily="18" charset="0"/>
+              </a:rPr>
+              <a:t>- Thu </a:t>
+            </a:r>
+            <a:r>
+              <a:rPr lang="en-US" sz="2200" dirty="0" err="1">
+                <a:solidFill>
+                  <a:schemeClr val="tx1"/>
+                </a:solidFill>
+                <a:latin typeface="Times New Roman" panose="02020603050405020304" pitchFamily="18" charset="0"/>
+                <a:cs typeface="Times New Roman" panose="02020603050405020304" pitchFamily="18" charset="0"/>
+              </a:rPr>
+              <a:t>thập</a:t>
+            </a:r>
+            <a:r>
+              <a:rPr lang="en-US" sz="2200" dirty="0">
+                <a:solidFill>
+                  <a:schemeClr val="tx1"/>
+                </a:solidFill>
+                <a:latin typeface="Times New Roman" panose="02020603050405020304" pitchFamily="18" charset="0"/>
+                <a:cs typeface="Times New Roman" panose="02020603050405020304" pitchFamily="18" charset="0"/>
+              </a:rPr>
+              <a:t> </a:t>
+            </a:r>
+            <a:r>
+              <a:rPr lang="en-US" sz="2200" dirty="0" err="1">
+                <a:solidFill>
+                  <a:schemeClr val="tx1"/>
+                </a:solidFill>
+                <a:latin typeface="Times New Roman" panose="02020603050405020304" pitchFamily="18" charset="0"/>
+                <a:cs typeface="Times New Roman" panose="02020603050405020304" pitchFamily="18" charset="0"/>
+              </a:rPr>
+              <a:t>hoặc</a:t>
+            </a:r>
+            <a:r>
+              <a:rPr lang="en-US" sz="2200" dirty="0">
+                <a:solidFill>
+                  <a:schemeClr val="tx1"/>
+                </a:solidFill>
+                <a:latin typeface="Times New Roman" panose="02020603050405020304" pitchFamily="18" charset="0"/>
+                <a:cs typeface="Times New Roman" panose="02020603050405020304" pitchFamily="18" charset="0"/>
+              </a:rPr>
+              <a:t> </a:t>
+            </a:r>
+            <a:r>
+              <a:rPr lang="en-US" sz="2200" dirty="0" err="1">
+                <a:solidFill>
+                  <a:schemeClr val="tx1"/>
+                </a:solidFill>
+                <a:latin typeface="Times New Roman" panose="02020603050405020304" pitchFamily="18" charset="0"/>
+                <a:cs typeface="Times New Roman" panose="02020603050405020304" pitchFamily="18" charset="0"/>
+              </a:rPr>
+              <a:t>tái</a:t>
+            </a:r>
+            <a:r>
+              <a:rPr lang="en-US" sz="2200" dirty="0">
+                <a:solidFill>
+                  <a:schemeClr val="tx1"/>
+                </a:solidFill>
+                <a:latin typeface="Times New Roman" panose="02020603050405020304" pitchFamily="18" charset="0"/>
+                <a:cs typeface="Times New Roman" panose="02020603050405020304" pitchFamily="18" charset="0"/>
+              </a:rPr>
+              <a:t> </a:t>
+            </a:r>
+            <a:r>
+              <a:rPr lang="en-US" sz="2200" dirty="0" err="1">
+                <a:solidFill>
+                  <a:schemeClr val="tx1"/>
+                </a:solidFill>
+                <a:latin typeface="Times New Roman" panose="02020603050405020304" pitchFamily="18" charset="0"/>
+                <a:cs typeface="Times New Roman" panose="02020603050405020304" pitchFamily="18" charset="0"/>
+              </a:rPr>
+              <a:t>chỉnh</a:t>
+            </a:r>
+            <a:r>
+              <a:rPr lang="en-US" sz="2200" dirty="0">
+                <a:solidFill>
+                  <a:schemeClr val="tx1"/>
+                </a:solidFill>
+                <a:latin typeface="Times New Roman" panose="02020603050405020304" pitchFamily="18" charset="0"/>
+                <a:cs typeface="Times New Roman" panose="02020603050405020304" pitchFamily="18" charset="0"/>
+              </a:rPr>
+              <a:t> </a:t>
+            </a:r>
+            <a:r>
+              <a:rPr lang="en-US" sz="2200" dirty="0" err="1">
+                <a:solidFill>
+                  <a:schemeClr val="tx1"/>
+                </a:solidFill>
+                <a:latin typeface="Times New Roman" panose="02020603050405020304" pitchFamily="18" charset="0"/>
+                <a:cs typeface="Times New Roman" panose="02020603050405020304" pitchFamily="18" charset="0"/>
+              </a:rPr>
+              <a:t>sữa</a:t>
+            </a:r>
+            <a:r>
+              <a:rPr lang="en-US" sz="2200" dirty="0">
+                <a:solidFill>
+                  <a:schemeClr val="tx1"/>
+                </a:solidFill>
+                <a:latin typeface="Times New Roman" panose="02020603050405020304" pitchFamily="18" charset="0"/>
+                <a:cs typeface="Times New Roman" panose="02020603050405020304" pitchFamily="18" charset="0"/>
+              </a:rPr>
+              <a:t> </a:t>
+            </a:r>
+            <a:r>
+              <a:rPr lang="en-US" sz="2200" dirty="0" err="1">
+                <a:solidFill>
+                  <a:schemeClr val="tx1"/>
+                </a:solidFill>
+                <a:latin typeface="Times New Roman" panose="02020603050405020304" pitchFamily="18" charset="0"/>
+                <a:cs typeface="Times New Roman" panose="02020603050405020304" pitchFamily="18" charset="0"/>
+              </a:rPr>
+              <a:t>lại</a:t>
+            </a:r>
+            <a:r>
+              <a:rPr lang="en-US" sz="2200" dirty="0">
+                <a:solidFill>
+                  <a:schemeClr val="tx1"/>
+                </a:solidFill>
+                <a:latin typeface="Times New Roman" panose="02020603050405020304" pitchFamily="18" charset="0"/>
+                <a:cs typeface="Times New Roman" panose="02020603050405020304" pitchFamily="18" charset="0"/>
+              </a:rPr>
+              <a:t> </a:t>
+            </a:r>
+            <a:r>
+              <a:rPr lang="en-US" sz="2200" dirty="0" err="1">
+                <a:solidFill>
+                  <a:schemeClr val="tx1"/>
+                </a:solidFill>
+                <a:latin typeface="Times New Roman" panose="02020603050405020304" pitchFamily="18" charset="0"/>
+                <a:cs typeface="Times New Roman" panose="02020603050405020304" pitchFamily="18" charset="0"/>
+              </a:rPr>
+              <a:t>toàn</a:t>
+            </a:r>
+            <a:r>
+              <a:rPr lang="en-US" sz="2200" dirty="0">
+                <a:solidFill>
+                  <a:schemeClr val="tx1"/>
+                </a:solidFill>
+                <a:latin typeface="Times New Roman" panose="02020603050405020304" pitchFamily="18" charset="0"/>
+                <a:cs typeface="Times New Roman" panose="02020603050405020304" pitchFamily="18" charset="0"/>
+              </a:rPr>
+              <a:t> </a:t>
+            </a:r>
+            <a:r>
+              <a:rPr lang="en-US" sz="2200" dirty="0" err="1">
+                <a:solidFill>
+                  <a:schemeClr val="tx1"/>
+                </a:solidFill>
+                <a:latin typeface="Times New Roman" panose="02020603050405020304" pitchFamily="18" charset="0"/>
+                <a:cs typeface="Times New Roman" panose="02020603050405020304" pitchFamily="18" charset="0"/>
+              </a:rPr>
+              <a:t>bộ</a:t>
+            </a:r>
+            <a:r>
+              <a:rPr lang="en-US" sz="2200" dirty="0">
+                <a:solidFill>
+                  <a:schemeClr val="tx1"/>
+                </a:solidFill>
+                <a:latin typeface="Times New Roman" panose="02020603050405020304" pitchFamily="18" charset="0"/>
+                <a:cs typeface="Times New Roman" panose="02020603050405020304" pitchFamily="18" charset="0"/>
+              </a:rPr>
+              <a:t> </a:t>
+            </a:r>
+            <a:r>
+              <a:rPr lang="en-US" sz="2200" dirty="0" err="1">
+                <a:solidFill>
+                  <a:schemeClr val="tx1"/>
+                </a:solidFill>
+                <a:latin typeface="Times New Roman" panose="02020603050405020304" pitchFamily="18" charset="0"/>
+                <a:cs typeface="Times New Roman" panose="02020603050405020304" pitchFamily="18" charset="0"/>
+              </a:rPr>
+              <a:t>dữ</a:t>
+            </a:r>
+            <a:r>
+              <a:rPr lang="en-US" sz="2200" dirty="0">
+                <a:solidFill>
+                  <a:schemeClr val="tx1"/>
+                </a:solidFill>
+                <a:latin typeface="Times New Roman" panose="02020603050405020304" pitchFamily="18" charset="0"/>
+                <a:cs typeface="Times New Roman" panose="02020603050405020304" pitchFamily="18" charset="0"/>
+              </a:rPr>
+              <a:t> </a:t>
+            </a:r>
+            <a:r>
+              <a:rPr lang="en-US" sz="2200" dirty="0" err="1">
+                <a:solidFill>
+                  <a:schemeClr val="tx1"/>
+                </a:solidFill>
+                <a:latin typeface="Times New Roman" panose="02020603050405020304" pitchFamily="18" charset="0"/>
+                <a:cs typeface="Times New Roman" panose="02020603050405020304" pitchFamily="18" charset="0"/>
+              </a:rPr>
+              <a:t>liệu</a:t>
+            </a:r>
+            <a:r>
+              <a:rPr lang="en-US" sz="2200" dirty="0">
+                <a:solidFill>
+                  <a:schemeClr val="tx1"/>
+                </a:solidFill>
+                <a:latin typeface="Times New Roman" panose="02020603050405020304" pitchFamily="18" charset="0"/>
+                <a:cs typeface="Times New Roman" panose="02020603050405020304" pitchFamily="18" charset="0"/>
+              </a:rPr>
+              <a:t> </a:t>
+            </a:r>
+            <a:r>
+              <a:rPr lang="en-US" sz="2200" dirty="0" err="1">
+                <a:solidFill>
+                  <a:schemeClr val="tx1"/>
+                </a:solidFill>
+                <a:latin typeface="Times New Roman" panose="02020603050405020304" pitchFamily="18" charset="0"/>
+                <a:cs typeface="Times New Roman" panose="02020603050405020304" pitchFamily="18" charset="0"/>
+              </a:rPr>
+              <a:t>huấn</a:t>
+            </a:r>
+            <a:r>
+              <a:rPr lang="en-US" sz="2200" dirty="0">
+                <a:solidFill>
+                  <a:schemeClr val="tx1"/>
+                </a:solidFill>
+                <a:latin typeface="Times New Roman" panose="02020603050405020304" pitchFamily="18" charset="0"/>
+                <a:cs typeface="Times New Roman" panose="02020603050405020304" pitchFamily="18" charset="0"/>
+              </a:rPr>
+              <a:t> </a:t>
+            </a:r>
+            <a:r>
+              <a:rPr lang="en-US" sz="2200" dirty="0" err="1">
+                <a:solidFill>
+                  <a:schemeClr val="tx1"/>
+                </a:solidFill>
+                <a:latin typeface="Times New Roman" panose="02020603050405020304" pitchFamily="18" charset="0"/>
+                <a:cs typeface="Times New Roman" panose="02020603050405020304" pitchFamily="18" charset="0"/>
+              </a:rPr>
+              <a:t>luyện</a:t>
+            </a:r>
+            <a:endParaRPr lang="en-US" sz="2200" dirty="0">
+              <a:solidFill>
+                <a:schemeClr val="tx1"/>
+              </a:solidFill>
+              <a:latin typeface="Times New Roman" panose="02020603050405020304" pitchFamily="18" charset="0"/>
+              <a:cs typeface="Times New Roman" panose="02020603050405020304" pitchFamily="18" charset="0"/>
+            </a:endParaRPr>
+          </a:p>
+          <a:p>
+            <a:pPr marL="0" indent="0" algn="just">
+              <a:buNone/>
+            </a:pPr>
+            <a:r>
+              <a:rPr lang="en-US" sz="2200" dirty="0">
+                <a:solidFill>
+                  <a:schemeClr val="tx1"/>
+                </a:solidFill>
+                <a:latin typeface="Times New Roman" panose="02020603050405020304" pitchFamily="18" charset="0"/>
+                <a:cs typeface="Times New Roman" panose="02020603050405020304" pitchFamily="18" charset="0"/>
+              </a:rPr>
+              <a:t>- </a:t>
+            </a:r>
+            <a:r>
+              <a:rPr lang="en-US" sz="2200" dirty="0" err="1">
+                <a:solidFill>
+                  <a:schemeClr val="tx1"/>
+                </a:solidFill>
+                <a:latin typeface="Times New Roman" panose="02020603050405020304" pitchFamily="18" charset="0"/>
+                <a:cs typeface="Times New Roman" panose="02020603050405020304" pitchFamily="18" charset="0"/>
+              </a:rPr>
+              <a:t>Thực</a:t>
+            </a:r>
+            <a:r>
+              <a:rPr lang="en-US" sz="2200" dirty="0">
+                <a:solidFill>
+                  <a:schemeClr val="tx1"/>
+                </a:solidFill>
+                <a:latin typeface="Times New Roman" panose="02020603050405020304" pitchFamily="18" charset="0"/>
+                <a:cs typeface="Times New Roman" panose="02020603050405020304" pitchFamily="18" charset="0"/>
+              </a:rPr>
+              <a:t> </a:t>
+            </a:r>
+            <a:r>
+              <a:rPr lang="en-US" sz="2200" dirty="0" err="1">
+                <a:solidFill>
+                  <a:schemeClr val="tx1"/>
+                </a:solidFill>
+                <a:latin typeface="Times New Roman" panose="02020603050405020304" pitchFamily="18" charset="0"/>
+                <a:cs typeface="Times New Roman" panose="02020603050405020304" pitchFamily="18" charset="0"/>
+              </a:rPr>
+              <a:t>hiện</a:t>
+            </a:r>
+            <a:r>
+              <a:rPr lang="en-US" sz="2200" dirty="0">
+                <a:solidFill>
+                  <a:schemeClr val="tx1"/>
+                </a:solidFill>
+                <a:latin typeface="Times New Roman" panose="02020603050405020304" pitchFamily="18" charset="0"/>
+                <a:cs typeface="Times New Roman" panose="02020603050405020304" pitchFamily="18" charset="0"/>
+              </a:rPr>
+              <a:t> </a:t>
+            </a:r>
+            <a:r>
+              <a:rPr lang="en-US" sz="2200" dirty="0" err="1">
+                <a:solidFill>
+                  <a:schemeClr val="tx1"/>
+                </a:solidFill>
+                <a:latin typeface="Times New Roman" panose="02020603050405020304" pitchFamily="18" charset="0"/>
+                <a:cs typeface="Times New Roman" panose="02020603050405020304" pitchFamily="18" charset="0"/>
+              </a:rPr>
+              <a:t>việc</a:t>
+            </a:r>
+            <a:r>
+              <a:rPr lang="en-US" sz="2200" dirty="0">
+                <a:solidFill>
+                  <a:schemeClr val="tx1"/>
+                </a:solidFill>
+                <a:latin typeface="Times New Roman" panose="02020603050405020304" pitchFamily="18" charset="0"/>
+                <a:cs typeface="Times New Roman" panose="02020603050405020304" pitchFamily="18" charset="0"/>
+              </a:rPr>
+              <a:t> </a:t>
+            </a:r>
+            <a:r>
+              <a:rPr lang="en-US" sz="2200" dirty="0" err="1">
+                <a:solidFill>
+                  <a:schemeClr val="tx1"/>
+                </a:solidFill>
+                <a:latin typeface="Times New Roman" panose="02020603050405020304" pitchFamily="18" charset="0"/>
+                <a:cs typeface="Times New Roman" panose="02020603050405020304" pitchFamily="18" charset="0"/>
+              </a:rPr>
+              <a:t>huấn</a:t>
+            </a:r>
+            <a:r>
+              <a:rPr lang="en-US" sz="2200" dirty="0">
+                <a:solidFill>
+                  <a:schemeClr val="tx1"/>
+                </a:solidFill>
+                <a:latin typeface="Times New Roman" panose="02020603050405020304" pitchFamily="18" charset="0"/>
+                <a:cs typeface="Times New Roman" panose="02020603050405020304" pitchFamily="18" charset="0"/>
+              </a:rPr>
+              <a:t> </a:t>
+            </a:r>
+            <a:r>
+              <a:rPr lang="en-US" sz="2200" dirty="0" err="1">
+                <a:solidFill>
+                  <a:schemeClr val="tx1"/>
+                </a:solidFill>
+                <a:latin typeface="Times New Roman" panose="02020603050405020304" pitchFamily="18" charset="0"/>
+                <a:cs typeface="Times New Roman" panose="02020603050405020304" pitchFamily="18" charset="0"/>
+              </a:rPr>
+              <a:t>luyện</a:t>
+            </a:r>
+            <a:r>
+              <a:rPr lang="en-US" sz="2200" dirty="0">
+                <a:solidFill>
+                  <a:schemeClr val="tx1"/>
+                </a:solidFill>
+                <a:latin typeface="Times New Roman" panose="02020603050405020304" pitchFamily="18" charset="0"/>
+                <a:cs typeface="Times New Roman" panose="02020603050405020304" pitchFamily="18" charset="0"/>
+              </a:rPr>
+              <a:t> </a:t>
+            </a:r>
+            <a:r>
+              <a:rPr lang="en-US" sz="2200" dirty="0" err="1">
+                <a:solidFill>
+                  <a:schemeClr val="tx1"/>
+                </a:solidFill>
+                <a:latin typeface="Times New Roman" panose="02020603050405020304" pitchFamily="18" charset="0"/>
+                <a:cs typeface="Times New Roman" panose="02020603050405020304" pitchFamily="18" charset="0"/>
+              </a:rPr>
+              <a:t>lại</a:t>
+            </a:r>
+            <a:r>
+              <a:rPr lang="en-US" sz="2200" dirty="0">
+                <a:solidFill>
+                  <a:schemeClr val="tx1"/>
+                </a:solidFill>
+                <a:latin typeface="Times New Roman" panose="02020603050405020304" pitchFamily="18" charset="0"/>
+                <a:cs typeface="Times New Roman" panose="02020603050405020304" pitchFamily="18" charset="0"/>
+              </a:rPr>
+              <a:t> </a:t>
+            </a:r>
+            <a:r>
+              <a:rPr lang="en-US" sz="2200" dirty="0" err="1">
+                <a:solidFill>
+                  <a:schemeClr val="tx1"/>
+                </a:solidFill>
+                <a:latin typeface="Times New Roman" panose="02020603050405020304" pitchFamily="18" charset="0"/>
+                <a:cs typeface="Times New Roman" panose="02020603050405020304" pitchFamily="18" charset="0"/>
+              </a:rPr>
+              <a:t>mô</a:t>
+            </a:r>
+            <a:r>
+              <a:rPr lang="en-US" sz="2200" dirty="0">
+                <a:solidFill>
+                  <a:schemeClr val="tx1"/>
+                </a:solidFill>
+                <a:latin typeface="Times New Roman" panose="02020603050405020304" pitchFamily="18" charset="0"/>
+                <a:cs typeface="Times New Roman" panose="02020603050405020304" pitchFamily="18" charset="0"/>
+              </a:rPr>
+              <a:t> </a:t>
+            </a:r>
+            <a:r>
+              <a:rPr lang="en-US" sz="2200" dirty="0" err="1">
+                <a:solidFill>
+                  <a:schemeClr val="tx1"/>
+                </a:solidFill>
+                <a:latin typeface="Times New Roman" panose="02020603050405020304" pitchFamily="18" charset="0"/>
+                <a:cs typeface="Times New Roman" panose="02020603050405020304" pitchFamily="18" charset="0"/>
+              </a:rPr>
+              <a:t>hình</a:t>
+            </a:r>
+            <a:r>
+              <a:rPr lang="en-US" sz="2200" dirty="0">
+                <a:solidFill>
+                  <a:schemeClr val="tx1"/>
+                </a:solidFill>
+                <a:latin typeface="Times New Roman" panose="02020603050405020304" pitchFamily="18" charset="0"/>
+                <a:cs typeface="Times New Roman" panose="02020603050405020304" pitchFamily="18" charset="0"/>
+              </a:rPr>
+              <a:t> </a:t>
+            </a:r>
+            <a:r>
+              <a:rPr lang="en-US" sz="2200" dirty="0" err="1">
+                <a:solidFill>
+                  <a:schemeClr val="tx1"/>
+                </a:solidFill>
+                <a:latin typeface="Times New Roman" panose="02020603050405020304" pitchFamily="18" charset="0"/>
+                <a:cs typeface="Times New Roman" panose="02020603050405020304" pitchFamily="18" charset="0"/>
+              </a:rPr>
+              <a:t>với</a:t>
+            </a:r>
+            <a:r>
+              <a:rPr lang="en-US" sz="2200" dirty="0">
+                <a:solidFill>
+                  <a:schemeClr val="tx1"/>
+                </a:solidFill>
+                <a:latin typeface="Times New Roman" panose="02020603050405020304" pitchFamily="18" charset="0"/>
+                <a:cs typeface="Times New Roman" panose="02020603050405020304" pitchFamily="18" charset="0"/>
+              </a:rPr>
+              <a:t> </a:t>
+            </a:r>
+            <a:r>
+              <a:rPr lang="en-US" sz="2200" dirty="0" err="1">
+                <a:solidFill>
+                  <a:schemeClr val="tx1"/>
+                </a:solidFill>
+                <a:latin typeface="Times New Roman" panose="02020603050405020304" pitchFamily="18" charset="0"/>
+                <a:cs typeface="Times New Roman" panose="02020603050405020304" pitchFamily="18" charset="0"/>
+              </a:rPr>
+              <a:t>tập</a:t>
+            </a:r>
+            <a:r>
+              <a:rPr lang="en-US" sz="2200" dirty="0">
+                <a:solidFill>
+                  <a:schemeClr val="tx1"/>
+                </a:solidFill>
+                <a:latin typeface="Times New Roman" panose="02020603050405020304" pitchFamily="18" charset="0"/>
+                <a:cs typeface="Times New Roman" panose="02020603050405020304" pitchFamily="18" charset="0"/>
+              </a:rPr>
+              <a:t> </a:t>
+            </a:r>
+            <a:r>
+              <a:rPr lang="en-US" sz="2200" dirty="0" err="1">
+                <a:solidFill>
+                  <a:schemeClr val="tx1"/>
+                </a:solidFill>
+                <a:latin typeface="Times New Roman" panose="02020603050405020304" pitchFamily="18" charset="0"/>
+                <a:cs typeface="Times New Roman" panose="02020603050405020304" pitchFamily="18" charset="0"/>
+              </a:rPr>
+              <a:t>dữ</a:t>
+            </a:r>
+            <a:r>
+              <a:rPr lang="en-US" sz="2200" dirty="0">
+                <a:solidFill>
+                  <a:schemeClr val="tx1"/>
+                </a:solidFill>
+                <a:latin typeface="Times New Roman" panose="02020603050405020304" pitchFamily="18" charset="0"/>
+                <a:cs typeface="Times New Roman" panose="02020603050405020304" pitchFamily="18" charset="0"/>
+              </a:rPr>
+              <a:t> </a:t>
+            </a:r>
+            <a:r>
+              <a:rPr lang="en-US" sz="2200" dirty="0" err="1">
+                <a:solidFill>
+                  <a:schemeClr val="tx1"/>
+                </a:solidFill>
+                <a:latin typeface="Times New Roman" panose="02020603050405020304" pitchFamily="18" charset="0"/>
+                <a:cs typeface="Times New Roman" panose="02020603050405020304" pitchFamily="18" charset="0"/>
+              </a:rPr>
+              <a:t>liệu</a:t>
+            </a:r>
+            <a:r>
+              <a:rPr lang="en-US" sz="2200" dirty="0">
+                <a:solidFill>
+                  <a:schemeClr val="tx1"/>
+                </a:solidFill>
+                <a:latin typeface="Times New Roman" panose="02020603050405020304" pitchFamily="18" charset="0"/>
+                <a:cs typeface="Times New Roman" panose="02020603050405020304" pitchFamily="18" charset="0"/>
+              </a:rPr>
+              <a:t> </a:t>
+            </a:r>
+            <a:r>
+              <a:rPr lang="en-US" sz="2200" dirty="0" err="1">
+                <a:solidFill>
+                  <a:schemeClr val="tx1"/>
+                </a:solidFill>
+                <a:latin typeface="Times New Roman" panose="02020603050405020304" pitchFamily="18" charset="0"/>
+                <a:cs typeface="Times New Roman" panose="02020603050405020304" pitchFamily="18" charset="0"/>
+              </a:rPr>
+              <a:t>lớn</a:t>
+            </a:r>
+            <a:endParaRPr lang="en-US" sz="2200" dirty="0">
+              <a:solidFill>
+                <a:schemeClr val="tx1"/>
+              </a:solidFill>
+              <a:latin typeface="Times New Roman" panose="02020603050405020304" pitchFamily="18" charset="0"/>
+              <a:cs typeface="Times New Roman" panose="02020603050405020304" pitchFamily="18" charset="0"/>
+            </a:endParaRPr>
+          </a:p>
+          <a:p>
+            <a:pPr marL="0" indent="0" algn="just">
+              <a:buNone/>
+            </a:pPr>
+            <a:r>
+              <a:rPr lang="en-US" sz="2200" dirty="0">
+                <a:solidFill>
+                  <a:schemeClr val="tx1"/>
+                </a:solidFill>
+                <a:latin typeface="Times New Roman" panose="02020603050405020304" pitchFamily="18" charset="0"/>
+                <a:cs typeface="Times New Roman" panose="02020603050405020304" pitchFamily="18" charset="0"/>
+              </a:rPr>
+              <a:t>- </a:t>
+            </a:r>
+            <a:r>
+              <a:rPr lang="en-US" sz="2200" dirty="0" err="1">
+                <a:solidFill>
+                  <a:schemeClr val="tx1"/>
+                </a:solidFill>
+                <a:latin typeface="Times New Roman" panose="02020603050405020304" pitchFamily="18" charset="0"/>
+                <a:cs typeface="Times New Roman" panose="02020603050405020304" pitchFamily="18" charset="0"/>
+              </a:rPr>
+              <a:t>Áp</a:t>
+            </a:r>
+            <a:r>
+              <a:rPr lang="en-US" sz="2200" dirty="0">
+                <a:solidFill>
+                  <a:schemeClr val="tx1"/>
+                </a:solidFill>
+                <a:latin typeface="Times New Roman" panose="02020603050405020304" pitchFamily="18" charset="0"/>
+                <a:cs typeface="Times New Roman" panose="02020603050405020304" pitchFamily="18" charset="0"/>
+              </a:rPr>
+              <a:t> </a:t>
+            </a:r>
+            <a:r>
+              <a:rPr lang="en-US" sz="2200" dirty="0" err="1">
+                <a:solidFill>
+                  <a:schemeClr val="tx1"/>
+                </a:solidFill>
+                <a:latin typeface="Times New Roman" panose="02020603050405020304" pitchFamily="18" charset="0"/>
+                <a:cs typeface="Times New Roman" panose="02020603050405020304" pitchFamily="18" charset="0"/>
+              </a:rPr>
+              <a:t>dụng</a:t>
+            </a:r>
+            <a:r>
+              <a:rPr lang="en-US" sz="2200" dirty="0">
+                <a:solidFill>
+                  <a:schemeClr val="tx1"/>
+                </a:solidFill>
+                <a:latin typeface="Times New Roman" panose="02020603050405020304" pitchFamily="18" charset="0"/>
+                <a:cs typeface="Times New Roman" panose="02020603050405020304" pitchFamily="18" charset="0"/>
+              </a:rPr>
+              <a:t> </a:t>
+            </a:r>
+            <a:r>
+              <a:rPr lang="en-US" sz="2200" dirty="0" err="1">
+                <a:solidFill>
+                  <a:schemeClr val="tx1"/>
+                </a:solidFill>
+                <a:latin typeface="Times New Roman" panose="02020603050405020304" pitchFamily="18" charset="0"/>
+                <a:cs typeface="Times New Roman" panose="02020603050405020304" pitchFamily="18" charset="0"/>
+              </a:rPr>
+              <a:t>thực</a:t>
+            </a:r>
+            <a:r>
+              <a:rPr lang="en-US" sz="2200" dirty="0">
+                <a:solidFill>
+                  <a:schemeClr val="tx1"/>
+                </a:solidFill>
+                <a:latin typeface="Times New Roman" panose="02020603050405020304" pitchFamily="18" charset="0"/>
+                <a:cs typeface="Times New Roman" panose="02020603050405020304" pitchFamily="18" charset="0"/>
+              </a:rPr>
+              <a:t> </a:t>
+            </a:r>
+            <a:r>
+              <a:rPr lang="en-US" sz="2200" dirty="0" err="1">
+                <a:solidFill>
+                  <a:schemeClr val="tx1"/>
+                </a:solidFill>
+                <a:latin typeface="Times New Roman" panose="02020603050405020304" pitchFamily="18" charset="0"/>
+                <a:cs typeface="Times New Roman" panose="02020603050405020304" pitchFamily="18" charset="0"/>
+              </a:rPr>
+              <a:t>nghiệm</a:t>
+            </a:r>
+            <a:r>
+              <a:rPr lang="en-US" sz="2200" dirty="0">
+                <a:solidFill>
+                  <a:schemeClr val="tx1"/>
+                </a:solidFill>
+                <a:latin typeface="Times New Roman" panose="02020603050405020304" pitchFamily="18" charset="0"/>
+                <a:cs typeface="Times New Roman" panose="02020603050405020304" pitchFamily="18" charset="0"/>
+              </a:rPr>
+              <a:t> </a:t>
+            </a:r>
+            <a:r>
+              <a:rPr lang="en-US" sz="2200" dirty="0" err="1">
+                <a:solidFill>
+                  <a:schemeClr val="tx1"/>
+                </a:solidFill>
+                <a:latin typeface="Times New Roman" panose="02020603050405020304" pitchFamily="18" charset="0"/>
+                <a:cs typeface="Times New Roman" panose="02020603050405020304" pitchFamily="18" charset="0"/>
+              </a:rPr>
+              <a:t>các</a:t>
+            </a:r>
+            <a:r>
+              <a:rPr lang="en-US" sz="2200" dirty="0">
+                <a:solidFill>
+                  <a:schemeClr val="tx1"/>
+                </a:solidFill>
+                <a:latin typeface="Times New Roman" panose="02020603050405020304" pitchFamily="18" charset="0"/>
+                <a:cs typeface="Times New Roman" panose="02020603050405020304" pitchFamily="18" charset="0"/>
+              </a:rPr>
+              <a:t> </a:t>
+            </a:r>
+            <a:r>
+              <a:rPr lang="en-US" sz="2200" dirty="0" err="1">
+                <a:solidFill>
+                  <a:schemeClr val="tx1"/>
+                </a:solidFill>
+                <a:latin typeface="Times New Roman" panose="02020603050405020304" pitchFamily="18" charset="0"/>
+                <a:cs typeface="Times New Roman" panose="02020603050405020304" pitchFamily="18" charset="0"/>
+              </a:rPr>
+              <a:t>kỹ</a:t>
+            </a:r>
+            <a:r>
+              <a:rPr lang="en-US" sz="2200" dirty="0">
+                <a:solidFill>
+                  <a:schemeClr val="tx1"/>
+                </a:solidFill>
+                <a:latin typeface="Times New Roman" panose="02020603050405020304" pitchFamily="18" charset="0"/>
+                <a:cs typeface="Times New Roman" panose="02020603050405020304" pitchFamily="18" charset="0"/>
+              </a:rPr>
+              <a:t> </a:t>
+            </a:r>
+            <a:r>
+              <a:rPr lang="en-US" sz="2200" dirty="0" err="1" smtClean="0">
+                <a:solidFill>
+                  <a:schemeClr val="tx1"/>
+                </a:solidFill>
+                <a:latin typeface="Times New Roman" panose="02020603050405020304" pitchFamily="18" charset="0"/>
+                <a:cs typeface="Times New Roman" panose="02020603050405020304" pitchFamily="18" charset="0"/>
+              </a:rPr>
+              <a:t>thuật</a:t>
+            </a:r>
+            <a:r>
+              <a:rPr lang="en-US" sz="2200" dirty="0">
+                <a:solidFill>
+                  <a:schemeClr val="tx1"/>
+                </a:solidFill>
+                <a:latin typeface="Times New Roman" panose="02020603050405020304" pitchFamily="18" charset="0"/>
+                <a:cs typeface="Times New Roman" panose="02020603050405020304" pitchFamily="18" charset="0"/>
+              </a:rPr>
+              <a:t> </a:t>
+            </a:r>
+            <a:r>
+              <a:rPr lang="en-US" sz="2200" dirty="0" err="1" smtClean="0">
+                <a:solidFill>
+                  <a:schemeClr val="tx1"/>
+                </a:solidFill>
+                <a:latin typeface="Times New Roman" panose="02020603050405020304" pitchFamily="18" charset="0"/>
+                <a:cs typeface="Times New Roman" panose="02020603050405020304" pitchFamily="18" charset="0"/>
+              </a:rPr>
+              <a:t>cao</a:t>
+            </a:r>
+            <a:r>
+              <a:rPr lang="en-US" sz="2200" dirty="0" smtClean="0">
+                <a:solidFill>
+                  <a:schemeClr val="tx1"/>
+                </a:solidFill>
+                <a:latin typeface="Times New Roman" panose="02020603050405020304" pitchFamily="18" charset="0"/>
+                <a:cs typeface="Times New Roman" panose="02020603050405020304" pitchFamily="18" charset="0"/>
+              </a:rPr>
+              <a:t> </a:t>
+            </a:r>
+            <a:r>
+              <a:rPr lang="en-US" sz="2200" dirty="0" err="1" smtClean="0">
+                <a:solidFill>
+                  <a:schemeClr val="tx1"/>
+                </a:solidFill>
+                <a:latin typeface="Times New Roman" panose="02020603050405020304" pitchFamily="18" charset="0"/>
+                <a:cs typeface="Times New Roman" panose="02020603050405020304" pitchFamily="18" charset="0"/>
+              </a:rPr>
+              <a:t>hơn</a:t>
+            </a:r>
+            <a:r>
+              <a:rPr lang="en-US" sz="2200" dirty="0" smtClean="0">
+                <a:solidFill>
+                  <a:schemeClr val="tx1"/>
+                </a:solidFill>
+                <a:latin typeface="Times New Roman" panose="02020603050405020304" pitchFamily="18" charset="0"/>
+                <a:cs typeface="Times New Roman" panose="02020603050405020304" pitchFamily="18" charset="0"/>
+              </a:rPr>
+              <a:t> </a:t>
+            </a:r>
+            <a:r>
+              <a:rPr lang="en-US" sz="2200" dirty="0" err="1" smtClean="0">
+                <a:solidFill>
+                  <a:schemeClr val="tx1"/>
+                </a:solidFill>
+                <a:latin typeface="Times New Roman" panose="02020603050405020304" pitchFamily="18" charset="0"/>
+                <a:cs typeface="Times New Roman" panose="02020603050405020304" pitchFamily="18" charset="0"/>
+              </a:rPr>
+              <a:t>để</a:t>
+            </a:r>
+            <a:r>
+              <a:rPr lang="en-US" sz="2200" dirty="0" smtClean="0">
+                <a:solidFill>
+                  <a:schemeClr val="tx1"/>
+                </a:solidFill>
+                <a:latin typeface="Times New Roman" panose="02020603050405020304" pitchFamily="18" charset="0"/>
+                <a:cs typeface="Times New Roman" panose="02020603050405020304" pitchFamily="18" charset="0"/>
+              </a:rPr>
+              <a:t> </a:t>
+            </a:r>
+            <a:r>
+              <a:rPr lang="en-US" sz="2200" dirty="0" err="1">
+                <a:solidFill>
+                  <a:schemeClr val="tx1"/>
+                </a:solidFill>
+                <a:latin typeface="Times New Roman" panose="02020603050405020304" pitchFamily="18" charset="0"/>
+                <a:cs typeface="Times New Roman" panose="02020603050405020304" pitchFamily="18" charset="0"/>
+              </a:rPr>
+              <a:t>phát</a:t>
+            </a:r>
+            <a:r>
+              <a:rPr lang="en-US" sz="2200" dirty="0">
+                <a:solidFill>
+                  <a:schemeClr val="tx1"/>
+                </a:solidFill>
+                <a:latin typeface="Times New Roman" panose="02020603050405020304" pitchFamily="18" charset="0"/>
+                <a:cs typeface="Times New Roman" panose="02020603050405020304" pitchFamily="18" charset="0"/>
+              </a:rPr>
+              <a:t> </a:t>
+            </a:r>
+            <a:r>
+              <a:rPr lang="en-US" sz="2200" dirty="0" err="1">
+                <a:solidFill>
+                  <a:schemeClr val="tx1"/>
+                </a:solidFill>
+                <a:latin typeface="Times New Roman" panose="02020603050405020304" pitchFamily="18" charset="0"/>
+                <a:cs typeface="Times New Roman" panose="02020603050405020304" pitchFamily="18" charset="0"/>
+              </a:rPr>
+              <a:t>triển</a:t>
+            </a:r>
+            <a:r>
+              <a:rPr lang="en-US" sz="2200" dirty="0">
+                <a:solidFill>
+                  <a:schemeClr val="tx1"/>
+                </a:solidFill>
+                <a:latin typeface="Times New Roman" panose="02020603050405020304" pitchFamily="18" charset="0"/>
+                <a:cs typeface="Times New Roman" panose="02020603050405020304" pitchFamily="18" charset="0"/>
+              </a:rPr>
+              <a:t> </a:t>
+            </a:r>
+            <a:r>
+              <a:rPr lang="en-US" sz="2200" dirty="0" err="1">
+                <a:solidFill>
+                  <a:schemeClr val="tx1"/>
+                </a:solidFill>
+                <a:latin typeface="Times New Roman" panose="02020603050405020304" pitchFamily="18" charset="0"/>
+                <a:cs typeface="Times New Roman" panose="02020603050405020304" pitchFamily="18" charset="0"/>
+              </a:rPr>
+              <a:t>mô</a:t>
+            </a:r>
+            <a:r>
+              <a:rPr lang="en-US" sz="2200" dirty="0">
+                <a:solidFill>
+                  <a:schemeClr val="tx1"/>
+                </a:solidFill>
+                <a:latin typeface="Times New Roman" panose="02020603050405020304" pitchFamily="18" charset="0"/>
+                <a:cs typeface="Times New Roman" panose="02020603050405020304" pitchFamily="18" charset="0"/>
+              </a:rPr>
+              <a:t> </a:t>
+            </a:r>
+            <a:r>
+              <a:rPr lang="en-US" sz="2200" dirty="0" err="1">
+                <a:solidFill>
+                  <a:schemeClr val="tx1"/>
+                </a:solidFill>
+                <a:latin typeface="Times New Roman" panose="02020603050405020304" pitchFamily="18" charset="0"/>
+                <a:cs typeface="Times New Roman" panose="02020603050405020304" pitchFamily="18" charset="0"/>
+              </a:rPr>
+              <a:t>hình</a:t>
+            </a:r>
+            <a:r>
+              <a:rPr lang="en-US" sz="2200" dirty="0">
+                <a:solidFill>
+                  <a:schemeClr val="tx1"/>
+                </a:solidFill>
+                <a:latin typeface="Times New Roman" panose="02020603050405020304" pitchFamily="18" charset="0"/>
+                <a:cs typeface="Times New Roman" panose="02020603050405020304" pitchFamily="18" charset="0"/>
+              </a:rPr>
+              <a:t> </a:t>
+            </a:r>
+            <a:r>
+              <a:rPr lang="en-US" sz="2200" dirty="0" err="1">
+                <a:solidFill>
+                  <a:schemeClr val="tx1"/>
+                </a:solidFill>
+                <a:latin typeface="Times New Roman" panose="02020603050405020304" pitchFamily="18" charset="0"/>
+                <a:cs typeface="Times New Roman" panose="02020603050405020304" pitchFamily="18" charset="0"/>
+              </a:rPr>
+              <a:t>căn</a:t>
+            </a:r>
+            <a:r>
+              <a:rPr lang="en-US" sz="2200" dirty="0">
+                <a:solidFill>
+                  <a:schemeClr val="tx1"/>
+                </a:solidFill>
+                <a:latin typeface="Times New Roman" panose="02020603050405020304" pitchFamily="18" charset="0"/>
+                <a:cs typeface="Times New Roman" panose="02020603050405020304" pitchFamily="18" charset="0"/>
+              </a:rPr>
+              <a:t> </a:t>
+            </a:r>
+            <a:r>
+              <a:rPr lang="en-US" sz="2200" dirty="0" err="1">
+                <a:solidFill>
+                  <a:schemeClr val="tx1"/>
+                </a:solidFill>
+                <a:latin typeface="Times New Roman" panose="02020603050405020304" pitchFamily="18" charset="0"/>
+                <a:cs typeface="Times New Roman" panose="02020603050405020304" pitchFamily="18" charset="0"/>
+              </a:rPr>
+              <a:t>cứ</a:t>
+            </a:r>
+            <a:r>
+              <a:rPr lang="en-US" sz="2200" dirty="0">
+                <a:solidFill>
+                  <a:schemeClr val="tx1"/>
+                </a:solidFill>
+                <a:latin typeface="Times New Roman" panose="02020603050405020304" pitchFamily="18" charset="0"/>
+                <a:cs typeface="Times New Roman" panose="02020603050405020304" pitchFamily="18" charset="0"/>
+              </a:rPr>
+              <a:t> </a:t>
+            </a:r>
+            <a:r>
+              <a:rPr lang="en-US" sz="2200" dirty="0" err="1">
+                <a:solidFill>
+                  <a:schemeClr val="tx1"/>
+                </a:solidFill>
+                <a:latin typeface="Times New Roman" panose="02020603050405020304" pitchFamily="18" charset="0"/>
+                <a:cs typeface="Times New Roman" panose="02020603050405020304" pitchFamily="18" charset="0"/>
+              </a:rPr>
+              <a:t>vào</a:t>
+            </a:r>
+            <a:r>
+              <a:rPr lang="en-US" sz="2200" dirty="0">
+                <a:solidFill>
+                  <a:schemeClr val="tx1"/>
+                </a:solidFill>
+                <a:latin typeface="Times New Roman" panose="02020603050405020304" pitchFamily="18" charset="0"/>
+                <a:cs typeface="Times New Roman" panose="02020603050405020304" pitchFamily="18" charset="0"/>
+              </a:rPr>
+              <a:t> </a:t>
+            </a:r>
+            <a:r>
+              <a:rPr lang="en-US" sz="2200" dirty="0" err="1">
+                <a:solidFill>
+                  <a:schemeClr val="tx1"/>
+                </a:solidFill>
+                <a:latin typeface="Times New Roman" panose="02020603050405020304" pitchFamily="18" charset="0"/>
+                <a:cs typeface="Times New Roman" panose="02020603050405020304" pitchFamily="18" charset="0"/>
+              </a:rPr>
+              <a:t>những</a:t>
+            </a:r>
+            <a:r>
+              <a:rPr lang="en-US" sz="2200" dirty="0">
+                <a:solidFill>
+                  <a:schemeClr val="tx1"/>
+                </a:solidFill>
+                <a:latin typeface="Times New Roman" panose="02020603050405020304" pitchFamily="18" charset="0"/>
+                <a:cs typeface="Times New Roman" panose="02020603050405020304" pitchFamily="18" charset="0"/>
+              </a:rPr>
+              <a:t> </a:t>
+            </a:r>
+            <a:r>
+              <a:rPr lang="en-US" sz="2200" dirty="0" err="1">
+                <a:solidFill>
+                  <a:schemeClr val="tx1"/>
+                </a:solidFill>
+                <a:latin typeface="Times New Roman" panose="02020603050405020304" pitchFamily="18" charset="0"/>
+                <a:cs typeface="Times New Roman" panose="02020603050405020304" pitchFamily="18" charset="0"/>
+              </a:rPr>
+              <a:t>thuộc</a:t>
+            </a:r>
+            <a:r>
+              <a:rPr lang="en-US" sz="2200" dirty="0">
+                <a:solidFill>
+                  <a:schemeClr val="tx1"/>
+                </a:solidFill>
+                <a:latin typeface="Times New Roman" panose="02020603050405020304" pitchFamily="18" charset="0"/>
+                <a:cs typeface="Times New Roman" panose="02020603050405020304" pitchFamily="18" charset="0"/>
+              </a:rPr>
+              <a:t> </a:t>
+            </a:r>
+            <a:r>
+              <a:rPr lang="en-US" sz="2200" dirty="0" err="1">
+                <a:solidFill>
+                  <a:schemeClr val="tx1"/>
+                </a:solidFill>
+                <a:latin typeface="Times New Roman" panose="02020603050405020304" pitchFamily="18" charset="0"/>
+                <a:cs typeface="Times New Roman" panose="02020603050405020304" pitchFamily="18" charset="0"/>
+              </a:rPr>
+              <a:t>tính</a:t>
+            </a:r>
+            <a:r>
+              <a:rPr lang="en-US" sz="2200" dirty="0">
+                <a:solidFill>
+                  <a:schemeClr val="tx1"/>
+                </a:solidFill>
+                <a:latin typeface="Times New Roman" panose="02020603050405020304" pitchFamily="18" charset="0"/>
+                <a:cs typeface="Times New Roman" panose="02020603050405020304" pitchFamily="18" charset="0"/>
+              </a:rPr>
+              <a:t> </a:t>
+            </a:r>
+            <a:r>
+              <a:rPr lang="en-US" sz="2200" dirty="0" err="1">
+                <a:solidFill>
+                  <a:schemeClr val="tx1"/>
+                </a:solidFill>
+                <a:latin typeface="Times New Roman" panose="02020603050405020304" pitchFamily="18" charset="0"/>
+                <a:cs typeface="Times New Roman" panose="02020603050405020304" pitchFamily="18" charset="0"/>
+              </a:rPr>
+              <a:t>để</a:t>
+            </a:r>
+            <a:r>
+              <a:rPr lang="en-US" sz="2200" dirty="0">
+                <a:solidFill>
+                  <a:schemeClr val="tx1"/>
+                </a:solidFill>
+                <a:latin typeface="Times New Roman" panose="02020603050405020304" pitchFamily="18" charset="0"/>
+                <a:cs typeface="Times New Roman" panose="02020603050405020304" pitchFamily="18" charset="0"/>
+              </a:rPr>
+              <a:t> </a:t>
+            </a:r>
+            <a:r>
+              <a:rPr lang="en-US" sz="2200" dirty="0" err="1">
+                <a:solidFill>
+                  <a:schemeClr val="tx1"/>
+                </a:solidFill>
+                <a:latin typeface="Times New Roman" panose="02020603050405020304" pitchFamily="18" charset="0"/>
+                <a:cs typeface="Times New Roman" panose="02020603050405020304" pitchFamily="18" charset="0"/>
+              </a:rPr>
+              <a:t>dựa</a:t>
+            </a:r>
+            <a:r>
+              <a:rPr lang="en-US" sz="2200" dirty="0">
+                <a:solidFill>
+                  <a:schemeClr val="tx1"/>
+                </a:solidFill>
+                <a:latin typeface="Times New Roman" panose="02020603050405020304" pitchFamily="18" charset="0"/>
+                <a:cs typeface="Times New Roman" panose="02020603050405020304" pitchFamily="18" charset="0"/>
+              </a:rPr>
+              <a:t> </a:t>
+            </a:r>
+            <a:r>
+              <a:rPr lang="en-US" sz="2200" dirty="0" err="1">
+                <a:solidFill>
+                  <a:schemeClr val="tx1"/>
+                </a:solidFill>
+                <a:latin typeface="Times New Roman" panose="02020603050405020304" pitchFamily="18" charset="0"/>
+                <a:cs typeface="Times New Roman" panose="02020603050405020304" pitchFamily="18" charset="0"/>
+              </a:rPr>
+              <a:t>vào</a:t>
+            </a:r>
+            <a:r>
+              <a:rPr lang="en-US" sz="2200" dirty="0">
+                <a:solidFill>
+                  <a:schemeClr val="tx1"/>
+                </a:solidFill>
+                <a:latin typeface="Times New Roman" panose="02020603050405020304" pitchFamily="18" charset="0"/>
+                <a:cs typeface="Times New Roman" panose="02020603050405020304" pitchFamily="18" charset="0"/>
+              </a:rPr>
+              <a:t> </a:t>
+            </a:r>
+            <a:r>
+              <a:rPr lang="en-US" sz="2200" dirty="0" err="1">
+                <a:solidFill>
+                  <a:schemeClr val="tx1"/>
+                </a:solidFill>
+                <a:latin typeface="Times New Roman" panose="02020603050405020304" pitchFamily="18" charset="0"/>
+                <a:cs typeface="Times New Roman" panose="02020603050405020304" pitchFamily="18" charset="0"/>
+              </a:rPr>
+              <a:t>đó</a:t>
+            </a:r>
+            <a:r>
+              <a:rPr lang="en-US" sz="2200" dirty="0">
+                <a:solidFill>
+                  <a:schemeClr val="tx1"/>
+                </a:solidFill>
+                <a:latin typeface="Times New Roman" panose="02020603050405020304" pitchFamily="18" charset="0"/>
+                <a:cs typeface="Times New Roman" panose="02020603050405020304" pitchFamily="18" charset="0"/>
+              </a:rPr>
+              <a:t> </a:t>
+            </a:r>
+            <a:r>
+              <a:rPr lang="en-US" sz="2200" dirty="0" err="1">
+                <a:solidFill>
+                  <a:schemeClr val="tx1"/>
+                </a:solidFill>
+                <a:latin typeface="Times New Roman" panose="02020603050405020304" pitchFamily="18" charset="0"/>
+                <a:cs typeface="Times New Roman" panose="02020603050405020304" pitchFamily="18" charset="0"/>
+              </a:rPr>
+              <a:t>đưa</a:t>
+            </a:r>
+            <a:r>
+              <a:rPr lang="en-US" sz="2200" dirty="0">
+                <a:solidFill>
+                  <a:schemeClr val="tx1"/>
+                </a:solidFill>
+                <a:latin typeface="Times New Roman" panose="02020603050405020304" pitchFamily="18" charset="0"/>
+                <a:cs typeface="Times New Roman" panose="02020603050405020304" pitchFamily="18" charset="0"/>
+              </a:rPr>
+              <a:t> </a:t>
+            </a:r>
+            <a:r>
+              <a:rPr lang="en-US" sz="2200" dirty="0" err="1">
+                <a:solidFill>
+                  <a:schemeClr val="tx1"/>
+                </a:solidFill>
+                <a:latin typeface="Times New Roman" panose="02020603050405020304" pitchFamily="18" charset="0"/>
+                <a:cs typeface="Times New Roman" panose="02020603050405020304" pitchFamily="18" charset="0"/>
+              </a:rPr>
+              <a:t>ra</a:t>
+            </a:r>
+            <a:r>
+              <a:rPr lang="en-US" sz="2200" dirty="0">
+                <a:solidFill>
+                  <a:schemeClr val="tx1"/>
+                </a:solidFill>
+                <a:latin typeface="Times New Roman" panose="02020603050405020304" pitchFamily="18" charset="0"/>
+                <a:cs typeface="Times New Roman" panose="02020603050405020304" pitchFamily="18" charset="0"/>
+              </a:rPr>
+              <a:t> </a:t>
+            </a:r>
+            <a:r>
+              <a:rPr lang="en-US" sz="2200" dirty="0" err="1">
+                <a:solidFill>
+                  <a:schemeClr val="tx1"/>
+                </a:solidFill>
+                <a:latin typeface="Times New Roman" panose="02020603050405020304" pitchFamily="18" charset="0"/>
+                <a:cs typeface="Times New Roman" panose="02020603050405020304" pitchFamily="18" charset="0"/>
+              </a:rPr>
+              <a:t>câu</a:t>
+            </a:r>
+            <a:r>
+              <a:rPr lang="en-US" sz="2200" dirty="0">
+                <a:solidFill>
+                  <a:schemeClr val="tx1"/>
+                </a:solidFill>
+                <a:latin typeface="Times New Roman" panose="02020603050405020304" pitchFamily="18" charset="0"/>
+                <a:cs typeface="Times New Roman" panose="02020603050405020304" pitchFamily="18" charset="0"/>
+              </a:rPr>
+              <a:t> </a:t>
+            </a:r>
+            <a:r>
+              <a:rPr lang="en-US" sz="2200" dirty="0" err="1">
+                <a:solidFill>
+                  <a:schemeClr val="tx1"/>
+                </a:solidFill>
+                <a:latin typeface="Times New Roman" panose="02020603050405020304" pitchFamily="18" charset="0"/>
+                <a:cs typeface="Times New Roman" panose="02020603050405020304" pitchFamily="18" charset="0"/>
+              </a:rPr>
+              <a:t>bình</a:t>
+            </a:r>
+            <a:r>
+              <a:rPr lang="en-US" sz="2200" dirty="0">
+                <a:solidFill>
+                  <a:schemeClr val="tx1"/>
+                </a:solidFill>
+                <a:latin typeface="Times New Roman" panose="02020603050405020304" pitchFamily="18" charset="0"/>
+                <a:cs typeface="Times New Roman" panose="02020603050405020304" pitchFamily="18" charset="0"/>
+              </a:rPr>
+              <a:t> </a:t>
+            </a:r>
+            <a:r>
+              <a:rPr lang="en-US" sz="2200" dirty="0" err="1">
+                <a:solidFill>
+                  <a:schemeClr val="tx1"/>
+                </a:solidFill>
+                <a:latin typeface="Times New Roman" panose="02020603050405020304" pitchFamily="18" charset="0"/>
+                <a:cs typeface="Times New Roman" panose="02020603050405020304" pitchFamily="18" charset="0"/>
+              </a:rPr>
+              <a:t>luận</a:t>
+            </a:r>
+            <a:r>
+              <a:rPr lang="en-US" sz="2200" dirty="0">
+                <a:solidFill>
+                  <a:schemeClr val="tx1"/>
+                </a:solidFill>
+                <a:latin typeface="Times New Roman" panose="02020603050405020304" pitchFamily="18" charset="0"/>
+                <a:cs typeface="Times New Roman" panose="02020603050405020304" pitchFamily="18" charset="0"/>
+              </a:rPr>
+              <a:t> </a:t>
+            </a:r>
+            <a:r>
+              <a:rPr lang="en-US" sz="2200" dirty="0" err="1">
+                <a:solidFill>
+                  <a:schemeClr val="tx1"/>
+                </a:solidFill>
+                <a:latin typeface="Times New Roman" panose="02020603050405020304" pitchFamily="18" charset="0"/>
+                <a:cs typeface="Times New Roman" panose="02020603050405020304" pitchFamily="18" charset="0"/>
+              </a:rPr>
+              <a:t>đáng</a:t>
+            </a:r>
+            <a:r>
+              <a:rPr lang="en-US" sz="2200" dirty="0">
+                <a:solidFill>
+                  <a:schemeClr val="tx1"/>
+                </a:solidFill>
+                <a:latin typeface="Times New Roman" panose="02020603050405020304" pitchFamily="18" charset="0"/>
+                <a:cs typeface="Times New Roman" panose="02020603050405020304" pitchFamily="18" charset="0"/>
+              </a:rPr>
+              <a:t> tin </a:t>
+            </a:r>
+            <a:r>
+              <a:rPr lang="en-US" sz="2200" dirty="0" err="1">
+                <a:solidFill>
+                  <a:schemeClr val="tx1"/>
+                </a:solidFill>
+                <a:latin typeface="Times New Roman" panose="02020603050405020304" pitchFamily="18" charset="0"/>
+                <a:cs typeface="Times New Roman" panose="02020603050405020304" pitchFamily="18" charset="0"/>
+              </a:rPr>
+              <a:t>và</a:t>
+            </a:r>
+            <a:r>
+              <a:rPr lang="en-US" sz="2200" dirty="0">
+                <a:solidFill>
+                  <a:schemeClr val="tx1"/>
+                </a:solidFill>
+                <a:latin typeface="Times New Roman" panose="02020603050405020304" pitchFamily="18" charset="0"/>
+                <a:cs typeface="Times New Roman" panose="02020603050405020304" pitchFamily="18" charset="0"/>
+              </a:rPr>
+              <a:t> </a:t>
+            </a:r>
+            <a:r>
+              <a:rPr lang="en-US" sz="2200" dirty="0" err="1">
+                <a:solidFill>
+                  <a:schemeClr val="tx1"/>
+                </a:solidFill>
+                <a:latin typeface="Times New Roman" panose="02020603050405020304" pitchFamily="18" charset="0"/>
+                <a:cs typeface="Times New Roman" panose="02020603050405020304" pitchFamily="18" charset="0"/>
+              </a:rPr>
+              <a:t>hợp</a:t>
+            </a:r>
+            <a:r>
+              <a:rPr lang="en-US" sz="2200" dirty="0">
+                <a:solidFill>
+                  <a:schemeClr val="tx1"/>
+                </a:solidFill>
+                <a:latin typeface="Times New Roman" panose="02020603050405020304" pitchFamily="18" charset="0"/>
+                <a:cs typeface="Times New Roman" panose="02020603050405020304" pitchFamily="18" charset="0"/>
+              </a:rPr>
+              <a:t> </a:t>
+            </a:r>
+            <a:r>
+              <a:rPr lang="en-US" sz="2200" dirty="0" err="1">
+                <a:solidFill>
+                  <a:schemeClr val="tx1"/>
+                </a:solidFill>
+                <a:latin typeface="Times New Roman" panose="02020603050405020304" pitchFamily="18" charset="0"/>
+                <a:cs typeface="Times New Roman" panose="02020603050405020304" pitchFamily="18" charset="0"/>
+              </a:rPr>
+              <a:t>lý</a:t>
+            </a:r>
+            <a:r>
+              <a:rPr lang="en-US" sz="2200" dirty="0">
+                <a:solidFill>
+                  <a:schemeClr val="tx1"/>
+                </a:solidFill>
+                <a:latin typeface="Times New Roman" panose="02020603050405020304" pitchFamily="18" charset="0"/>
+                <a:cs typeface="Times New Roman" panose="02020603050405020304" pitchFamily="18" charset="0"/>
+              </a:rPr>
+              <a:t> </a:t>
+            </a:r>
+            <a:r>
+              <a:rPr lang="en-US" sz="2200" dirty="0" err="1">
+                <a:solidFill>
+                  <a:schemeClr val="tx1"/>
+                </a:solidFill>
+                <a:latin typeface="Times New Roman" panose="02020603050405020304" pitchFamily="18" charset="0"/>
+                <a:cs typeface="Times New Roman" panose="02020603050405020304" pitchFamily="18" charset="0"/>
+              </a:rPr>
+              <a:t>hơn</a:t>
+            </a:r>
+            <a:r>
+              <a:rPr lang="en-US" sz="2200" dirty="0">
+                <a:solidFill>
+                  <a:schemeClr val="tx1"/>
+                </a:solidFill>
+                <a:latin typeface="Times New Roman" panose="02020603050405020304" pitchFamily="18" charset="0"/>
+                <a:cs typeface="Times New Roman" panose="02020603050405020304" pitchFamily="18" charset="0"/>
+              </a:rPr>
+              <a:t> </a:t>
+            </a:r>
+            <a:r>
+              <a:rPr lang="en-US" sz="2200" dirty="0" err="1">
+                <a:solidFill>
+                  <a:schemeClr val="tx1"/>
+                </a:solidFill>
+                <a:latin typeface="Times New Roman" panose="02020603050405020304" pitchFamily="18" charset="0"/>
+                <a:cs typeface="Times New Roman" panose="02020603050405020304" pitchFamily="18" charset="0"/>
+              </a:rPr>
+              <a:t>cho</a:t>
+            </a:r>
+            <a:r>
+              <a:rPr lang="en-US" sz="2200" dirty="0">
+                <a:solidFill>
+                  <a:schemeClr val="tx1"/>
+                </a:solidFill>
+                <a:latin typeface="Times New Roman" panose="02020603050405020304" pitchFamily="18" charset="0"/>
+                <a:cs typeface="Times New Roman" panose="02020603050405020304" pitchFamily="18" charset="0"/>
+              </a:rPr>
+              <a:t> </a:t>
+            </a:r>
+            <a:r>
+              <a:rPr lang="en-US" sz="2200" dirty="0" err="1">
+                <a:solidFill>
+                  <a:schemeClr val="tx1"/>
+                </a:solidFill>
+                <a:latin typeface="Times New Roman" panose="02020603050405020304" pitchFamily="18" charset="0"/>
+                <a:cs typeface="Times New Roman" panose="02020603050405020304" pitchFamily="18" charset="0"/>
+              </a:rPr>
+              <a:t>người</a:t>
+            </a:r>
+            <a:r>
+              <a:rPr lang="en-US" sz="2200" dirty="0">
+                <a:solidFill>
+                  <a:schemeClr val="tx1"/>
+                </a:solidFill>
+                <a:latin typeface="Times New Roman" panose="02020603050405020304" pitchFamily="18" charset="0"/>
+                <a:cs typeface="Times New Roman" panose="02020603050405020304" pitchFamily="18" charset="0"/>
+              </a:rPr>
+              <a:t> </a:t>
+            </a:r>
+            <a:r>
+              <a:rPr lang="en-US" sz="2200" dirty="0" err="1">
+                <a:solidFill>
+                  <a:schemeClr val="tx1"/>
+                </a:solidFill>
+                <a:latin typeface="Times New Roman" panose="02020603050405020304" pitchFamily="18" charset="0"/>
+                <a:cs typeface="Times New Roman" panose="02020603050405020304" pitchFamily="18" charset="0"/>
+              </a:rPr>
+              <a:t>dùng</a:t>
+            </a:r>
+            <a:r>
+              <a:rPr lang="en-US" sz="2200" dirty="0">
+                <a:solidFill>
+                  <a:schemeClr val="tx1"/>
+                </a:solidFill>
+                <a:latin typeface="Times New Roman" panose="02020603050405020304" pitchFamily="18" charset="0"/>
+                <a:cs typeface="Times New Roman" panose="02020603050405020304" pitchFamily="18" charset="0"/>
+              </a:rPr>
+              <a:t>.</a:t>
+            </a:r>
+          </a:p>
+          <a:p>
+            <a:endParaRPr lang="en-US" dirty="0"/>
+          </a:p>
+        </p:txBody>
+      </p:sp>
+    </p:spTree>
+    <p:extLst>
+      <p:ext uri="{BB962C8B-B14F-4D97-AF65-F5344CB8AC3E}">
+        <p14:creationId xmlns:p14="http://schemas.microsoft.com/office/powerpoint/2010/main" val="1678844871"/>
+      </p:ext>
+    </p:extLst>
+  </p:cSld>
+  <p:clrMapOvr>
+    <a:masterClrMapping/>
+  </p:clrMapOvr>
+  <p:timing>
+    <p:tnLst>
+      <p:par>
+        <p:cTn id="1" dur="indefinite" restart="never" nodeType="tmRoot">
+          <p:childTnLst>
+            <p:seq concurrent="1" nextAc="seek">
+              <p:cTn id="2" dur="indefinite" nodeType="mainSeq">
+                <p:childTnLst>
+                  <p:par>
+                    <p:cTn id="3" fill="hold">
+                      <p:stCondLst>
+                        <p:cond delay="indefinite"/>
+                      </p:stCondLst>
+                      <p:childTnLst>
+                        <p:par>
+                          <p:cTn id="4" fill="hold">
+                            <p:stCondLst>
+                              <p:cond delay="0"/>
+                            </p:stCondLst>
+                            <p:childTnLst>
+                              <p:par>
+                                <p:cTn id="5" presetID="10" presetClass="entr" presetSubtype="0" fill="hold" nodeType="clickEffect">
+                                  <p:stCondLst>
+                                    <p:cond delay="0"/>
+                                  </p:stCondLst>
+                                  <p:childTnLst>
+                                    <p:set>
+                                      <p:cBhvr>
+                                        <p:cTn id="6" dur="1" fill="hold">
+                                          <p:stCondLst>
+                                            <p:cond delay="0"/>
+                                          </p:stCondLst>
+                                        </p:cTn>
+                                        <p:tgtEl>
+                                          <p:spTgt spid="3">
+                                            <p:txEl>
+                                              <p:pRg st="0" end="0"/>
+                                            </p:txEl>
+                                          </p:spTgt>
+                                        </p:tgtEl>
+                                        <p:attrNameLst>
+                                          <p:attrName>style.visibility</p:attrName>
+                                        </p:attrNameLst>
+                                      </p:cBhvr>
+                                      <p:to>
+                                        <p:strVal val="visible"/>
+                                      </p:to>
+                                    </p:set>
+                                    <p:animEffect transition="in" filter="fade">
+                                      <p:cBhvr>
+                                        <p:cTn id="7" dur="500"/>
+                                        <p:tgtEl>
+                                          <p:spTgt spid="3">
+                                            <p:txEl>
+                                              <p:pRg st="0" end="0"/>
+                                            </p:txEl>
+                                          </p:spTgt>
+                                        </p:tgtEl>
+                                      </p:cBhvr>
+                                    </p:animEffect>
+                                  </p:childTnLst>
+                                </p:cTn>
+                              </p:par>
+                            </p:childTnLst>
+                          </p:cTn>
+                        </p:par>
+                      </p:childTnLst>
+                    </p:cTn>
+                  </p:par>
+                  <p:par>
+                    <p:cTn id="8" fill="hold">
+                      <p:stCondLst>
+                        <p:cond delay="indefinite"/>
+                      </p:stCondLst>
+                      <p:childTnLst>
+                        <p:par>
+                          <p:cTn id="9" fill="hold">
+                            <p:stCondLst>
+                              <p:cond delay="0"/>
+                            </p:stCondLst>
+                            <p:childTnLst>
+                              <p:par>
+                                <p:cTn id="10" presetID="10" presetClass="entr" presetSubtype="0" fill="hold" nodeType="clickEffect">
+                                  <p:stCondLst>
+                                    <p:cond delay="0"/>
+                                  </p:stCondLst>
+                                  <p:childTnLst>
+                                    <p:set>
+                                      <p:cBhvr>
+                                        <p:cTn id="11" dur="1" fill="hold">
+                                          <p:stCondLst>
+                                            <p:cond delay="0"/>
+                                          </p:stCondLst>
+                                        </p:cTn>
+                                        <p:tgtEl>
+                                          <p:spTgt spid="3">
+                                            <p:txEl>
+                                              <p:pRg st="1" end="1"/>
+                                            </p:txEl>
+                                          </p:spTgt>
+                                        </p:tgtEl>
+                                        <p:attrNameLst>
+                                          <p:attrName>style.visibility</p:attrName>
+                                        </p:attrNameLst>
+                                      </p:cBhvr>
+                                      <p:to>
+                                        <p:strVal val="visible"/>
+                                      </p:to>
+                                    </p:set>
+                                    <p:animEffect transition="in" filter="fade">
+                                      <p:cBhvr>
+                                        <p:cTn id="12" dur="500"/>
+                                        <p:tgtEl>
+                                          <p:spTgt spid="3">
+                                            <p:txEl>
+                                              <p:pRg st="1" end="1"/>
+                                            </p:txEl>
+                                          </p:spTgt>
+                                        </p:tgtEl>
+                                      </p:cBhvr>
+                                    </p:animEffect>
+                                  </p:childTnLst>
+                                </p:cTn>
+                              </p:par>
+                            </p:childTnLst>
+                          </p:cTn>
+                        </p:par>
+                      </p:childTnLst>
+                    </p:cTn>
+                  </p:par>
+                  <p:par>
+                    <p:cTn id="13" fill="hold">
+                      <p:stCondLst>
+                        <p:cond delay="indefinite"/>
+                      </p:stCondLst>
+                      <p:childTnLst>
+                        <p:par>
+                          <p:cTn id="14" fill="hold">
+                            <p:stCondLst>
+                              <p:cond delay="0"/>
+                            </p:stCondLst>
+                            <p:childTnLst>
+                              <p:par>
+                                <p:cTn id="15" presetID="10" presetClass="entr" presetSubtype="0" fill="hold" nodeType="clickEffect">
+                                  <p:stCondLst>
+                                    <p:cond delay="0"/>
+                                  </p:stCondLst>
+                                  <p:childTnLst>
+                                    <p:set>
+                                      <p:cBhvr>
+                                        <p:cTn id="16" dur="1" fill="hold">
+                                          <p:stCondLst>
+                                            <p:cond delay="0"/>
+                                          </p:stCondLst>
+                                        </p:cTn>
+                                        <p:tgtEl>
+                                          <p:spTgt spid="3">
+                                            <p:txEl>
+                                              <p:pRg st="2" end="2"/>
+                                            </p:txEl>
+                                          </p:spTgt>
+                                        </p:tgtEl>
+                                        <p:attrNameLst>
+                                          <p:attrName>style.visibility</p:attrName>
+                                        </p:attrNameLst>
+                                      </p:cBhvr>
+                                      <p:to>
+                                        <p:strVal val="visible"/>
+                                      </p:to>
+                                    </p:set>
+                                    <p:animEffect transition="in" filter="fade">
+                                      <p:cBhvr>
+                                        <p:cTn id="17" dur="500"/>
+                                        <p:tgtEl>
+                                          <p:spTgt spid="3">
+                                            <p:txEl>
+                                              <p:pRg st="2" end="2"/>
+                                            </p:txEl>
+                                          </p:spTgt>
+                                        </p:tgtEl>
+                                      </p:cBhvr>
+                                    </p:animEffect>
+                                  </p:childTnLst>
+                                </p:cTn>
+                              </p:par>
+                            </p:childTnLst>
+                          </p:cTn>
+                        </p:par>
+                      </p:childTnLst>
+                    </p:cTn>
+                  </p:par>
+                  <p:par>
+                    <p:cTn id="18" fill="hold">
+                      <p:stCondLst>
+                        <p:cond delay="indefinite"/>
+                      </p:stCondLst>
+                      <p:childTnLst>
+                        <p:par>
+                          <p:cTn id="19" fill="hold">
+                            <p:stCondLst>
+                              <p:cond delay="0"/>
+                            </p:stCondLst>
+                            <p:childTnLst>
+                              <p:par>
+                                <p:cTn id="20" presetID="10" presetClass="entr" presetSubtype="0" fill="hold" nodeType="clickEffect">
+                                  <p:stCondLst>
+                                    <p:cond delay="0"/>
+                                  </p:stCondLst>
+                                  <p:childTnLst>
+                                    <p:set>
+                                      <p:cBhvr>
+                                        <p:cTn id="21" dur="1" fill="hold">
+                                          <p:stCondLst>
+                                            <p:cond delay="0"/>
+                                          </p:stCondLst>
+                                        </p:cTn>
+                                        <p:tgtEl>
+                                          <p:spTgt spid="3">
+                                            <p:txEl>
+                                              <p:pRg st="3" end="3"/>
+                                            </p:txEl>
+                                          </p:spTgt>
+                                        </p:tgtEl>
+                                        <p:attrNameLst>
+                                          <p:attrName>style.visibility</p:attrName>
+                                        </p:attrNameLst>
+                                      </p:cBhvr>
+                                      <p:to>
+                                        <p:strVal val="visible"/>
+                                      </p:to>
+                                    </p:set>
+                                    <p:animEffect transition="in" filter="fade">
+                                      <p:cBhvr>
+                                        <p:cTn id="22" dur="500"/>
+                                        <p:tgtEl>
+                                          <p:spTgt spid="3">
+                                            <p:txEl>
+                                              <p:pRg st="3" end="3"/>
+                                            </p:txEl>
+                                          </p:spTgt>
+                                        </p:tgtEl>
+                                      </p:cBhvr>
+                                    </p:animEffect>
+                                  </p:childTnLst>
+                                </p:cTn>
+                              </p:par>
+                            </p:childTnLst>
+                          </p:cTn>
+                        </p:par>
+                      </p:childTnLst>
+                    </p:cTn>
+                  </p:par>
+                </p:childTnLst>
+              </p:cTn>
+              <p:prevCondLst>
+                <p:cond evt="onPrev" delay="0">
+                  <p:tgtEl>
+                    <p:sldTgt/>
+                  </p:tgtEl>
+                </p:cond>
+              </p:prevCondLst>
+              <p:nextCondLst>
+                <p:cond evt="onNext" delay="0">
+                  <p:tgtEl>
+                    <p:sldTgt/>
+                  </p:tgtEl>
+                </p:cond>
+              </p:nextCondLst>
+            </p:seq>
+          </p:childTnLst>
+        </p:cTn>
+      </p:par>
+    </p:tnLst>
+  </p:timing>
+</p:sld>
+</file>
+
+<file path=ppt/slides/slide21.xml><?xml version="1.0" encoding="utf-8"?>
+<p:sld xmlns:a="http://schemas.openxmlformats.org/drawingml/2006/main" xmlns:r="http://schemas.openxmlformats.org/officeDocument/2006/relationships" xmlns:p="http://schemas.openxmlformats.org/presentationml/2006/main">
+  <p:cSld>
+    <p:spTree>
+      <p:nvGrpSpPr>
+        <p:cNvPr id="1" name=""/>
+        <p:cNvGrpSpPr/>
+        <p:nvPr/>
+      </p:nvGrpSpPr>
+      <p:grpSpPr>
+        <a:xfrm>
+          <a:off x="0" y="0"/>
+          <a:ext cx="0" cy="0"/>
+          <a:chOff x="0" y="0"/>
+          <a:chExt cx="0" cy="0"/>
+        </a:xfrm>
+      </p:grpSpPr>
+      <p:sp>
+        <p:nvSpPr>
+          <p:cNvPr id="2" name="Title 1"/>
+          <p:cNvSpPr>
+            <a:spLocks noGrp="1"/>
+          </p:cNvSpPr>
+          <p:nvPr>
+            <p:ph type="title"/>
+          </p:nvPr>
+        </p:nvSpPr>
         <p:spPr/>
         <p:txBody>
           <a:bodyPr/>
@@ -15333,7 +15632,7 @@
         </p:spPr>
         <p:txBody>
           <a:bodyPr>
-            <a:normAutofit fontScale="92500" lnSpcReduction="20000"/>
+            <a:normAutofit lnSpcReduction="10000"/>
           </a:bodyPr>
           <a:lstStyle/>
           <a:p>
@@ -15400,7 +15699,7 @@
               <a:t>https://arxiv.org/pdf/1806.08977.pdf</a:t>
             </a:r>
             <a:r>
-              <a:rPr lang="en-US" sz="2200" u="sng" dirty="0" smtClean="0">
+              <a:rPr lang="en-US" sz="2200" dirty="0" smtClean="0">
                 <a:solidFill>
                   <a:schemeClr val="tx1"/>
                 </a:solidFill>
@@ -15423,33 +15722,38 @@
               </a:spcAft>
             </a:pPr>
             <a:r>
+              <a:rPr lang="en-US" sz="2200" dirty="0">
+                <a:solidFill>
+                  <a:schemeClr val="tx1"/>
+                </a:solidFill>
+                <a:latin typeface="Times New Roman" panose="02020603050405020304" pitchFamily="18" charset="0"/>
+                <a:cs typeface="Times New Roman" panose="02020603050405020304" pitchFamily="18" charset="0"/>
+              </a:rPr>
+              <a:t>(Sep 30 2018) “Understanding of RECURRENT NEURAL NETWORKS (LSTM, GRU)”, “</a:t>
+            </a:r>
+            <a:r>
               <a:rPr lang="en-US" sz="2200" u="sng" dirty="0">
                 <a:latin typeface="Times New Roman" panose="02020603050405020304" pitchFamily="18" charset="0"/>
                 <a:cs typeface="Times New Roman" panose="02020603050405020304" pitchFamily="18" charset="0"/>
-              </a:rPr>
-              <a:t>(Sep 30 2018) “</a:t>
-            </a:r>
-            <a:r>
-              <a:rPr lang="en-US" sz="2200" dirty="0">
-                <a:latin typeface="Times New Roman" panose="02020603050405020304" pitchFamily="18" charset="0"/>
-                <a:cs typeface="Times New Roman" panose="02020603050405020304" pitchFamily="18" charset="0"/>
-              </a:rPr>
-              <a:t>Understanding of RECURRENT NEURAL NETWORKS (LSTM, GRU)</a:t>
+                <a:hlinkClick r:id="rId3"/>
+              </a:rPr>
+              <a:t>https://mc.ai/understanding-of-recurrent-neural-networks-</a:t>
+            </a:r>
+            <a:r>
+              <a:rPr lang="en-US" sz="2200" u="sng" dirty="0" err="1">
+                <a:latin typeface="Times New Roman" panose="02020603050405020304" pitchFamily="18" charset="0"/>
+                <a:cs typeface="Times New Roman" panose="02020603050405020304" pitchFamily="18" charset="0"/>
+                <a:hlinkClick r:id="rId3"/>
+              </a:rPr>
+              <a:t>lstm</a:t>
             </a:r>
             <a:r>
               <a:rPr lang="en-US" sz="2200" u="sng" dirty="0">
                 <a:latin typeface="Times New Roman" panose="02020603050405020304" pitchFamily="18" charset="0"/>
                 <a:cs typeface="Times New Roman" panose="02020603050405020304" pitchFamily="18" charset="0"/>
-              </a:rPr>
-              <a:t>”, “</a:t>
-            </a:r>
-            <a:r>
-              <a:rPr lang="en-US" sz="2200" u="sng" dirty="0">
-                <a:latin typeface="Times New Roman" panose="02020603050405020304" pitchFamily="18" charset="0"/>
-                <a:cs typeface="Times New Roman" panose="02020603050405020304" pitchFamily="18" charset="0"/>
                 <a:hlinkClick r:id="rId3"/>
               </a:rPr>
-              <a:t>https://mc.ai/understanding-of-recurrent-neural-networks-</a:t>
+              <a:t>-</a:t>
             </a:r>
             <a:r>
               <a:rPr lang="en-US" sz="2200" u="sng" dirty="0" err="1">
@@ -15457,34 +15761,18 @@
                 <a:cs typeface="Times New Roman" panose="02020603050405020304" pitchFamily="18" charset="0"/>
                 <a:hlinkClick r:id="rId3"/>
               </a:rPr>
-              <a:t>lstm</a:t>
-            </a:r>
-            <a:r>
-              <a:rPr lang="en-US" sz="2200" u="sng" dirty="0">
+              <a:t>gru</a:t>
+            </a:r>
+            <a:r>
+              <a:rPr lang="en-US" sz="2200" u="sng" dirty="0" smtClean="0">
                 <a:latin typeface="Times New Roman" panose="02020603050405020304" pitchFamily="18" charset="0"/>
                 <a:cs typeface="Times New Roman" panose="02020603050405020304" pitchFamily="18" charset="0"/>
                 <a:hlinkClick r:id="rId3"/>
               </a:rPr>
-              <a:t>-</a:t>
-            </a:r>
-            <a:r>
-              <a:rPr lang="en-US" sz="2200" u="sng" dirty="0" err="1">
-                <a:latin typeface="Times New Roman" panose="02020603050405020304" pitchFamily="18" charset="0"/>
-                <a:cs typeface="Times New Roman" panose="02020603050405020304" pitchFamily="18" charset="0"/>
-                <a:hlinkClick r:id="rId3"/>
-              </a:rPr>
-              <a:t>gru</a:t>
-            </a:r>
-            <a:r>
-              <a:rPr lang="en-US" sz="2200" u="sng" dirty="0" smtClean="0">
-                <a:latin typeface="Times New Roman" panose="02020603050405020304" pitchFamily="18" charset="0"/>
-                <a:cs typeface="Times New Roman" panose="02020603050405020304" pitchFamily="18" charset="0"/>
-                <a:hlinkClick r:id="rId3"/>
-              </a:rPr>
               <a:t>/</a:t>
             </a:r>
             <a:r>
-              <a:rPr lang="en-US" sz="2200" u="sng" dirty="0" smtClean="0">
+              <a:rPr lang="en-US" sz="2200" dirty="0" smtClean="0">
                 <a:latin typeface="Times New Roman" panose="02020603050405020304" pitchFamily="18" charset="0"/>
                 <a:cs typeface="Times New Roman" panose="02020603050405020304" pitchFamily="18" charset="0"/>
               </a:rPr>
@@ -15604,67 +15892,6 @@
               <a:t>arxiv.org/pdf/1412.3555.pdf</a:t>
             </a:r>
             <a:endParaRPr lang="en-US" sz="2000" dirty="0" smtClean="0">
-              <a:solidFill>
-                <a:schemeClr val="tx1"/>
-              </a:solidFill>
-              <a:latin typeface="Times New Roman" panose="02020603050405020304" pitchFamily="18" charset="0"/>
-              <a:cs typeface="Times New Roman" panose="02020603050405020304" pitchFamily="18" charset="0"/>
-            </a:endParaRPr>
-          </a:p>
-          <a:p>
-            <a:pPr>
-              <a:lnSpc>
-                <a:spcPct val="120000"/>
-              </a:lnSpc>
-              <a:spcBef>
-                <a:spcPts val="0"/>
-              </a:spcBef>
-              <a:spcAft>
-                <a:spcPts val="800"/>
-              </a:spcAft>
-            </a:pPr>
-            <a:r>
-              <a:rPr lang="en-US" sz="2000" dirty="0">
-                <a:solidFill>
-                  <a:schemeClr val="tx1"/>
-                </a:solidFill>
-                <a:latin typeface="Times New Roman" panose="02020603050405020304" pitchFamily="18" charset="0"/>
-                <a:cs typeface="Times New Roman" panose="02020603050405020304" pitchFamily="18" charset="0"/>
-              </a:rPr>
-              <a:t>Jacob Devlin (24 May 2019), “BERT: Pre-training of Deep Bidirectional Transformers for Language Understanding”, </a:t>
-            </a:r>
-            <a:r>
-              <a:rPr lang="en-US" sz="2000" u="sng" dirty="0">
-                <a:solidFill>
-                  <a:schemeClr val="tx1"/>
-                </a:solidFill>
-                <a:latin typeface="Times New Roman" panose="02020603050405020304" pitchFamily="18" charset="0"/>
-                <a:cs typeface="Times New Roman" panose="02020603050405020304" pitchFamily="18" charset="0"/>
-                <a:hlinkClick r:id="rId5"/>
-              </a:rPr>
-              <a:t>https://arxiv.org/pdf/1810.04805.pdf</a:t>
-            </a:r>
-            <a:endParaRPr lang="en-US" sz="2000" u="sng" dirty="0">
-              <a:solidFill>
-                <a:schemeClr val="tx1"/>
-              </a:solidFill>
-              <a:latin typeface="Times New Roman" panose="02020603050405020304" pitchFamily="18" charset="0"/>
-              <a:cs typeface="Times New Roman" panose="02020603050405020304" pitchFamily="18" charset="0"/>
-            </a:endParaRPr>
-          </a:p>
-          <a:p>
-            <a:pPr>
-              <a:lnSpc>
-                <a:spcPct val="120000"/>
-              </a:lnSpc>
-              <a:spcBef>
-                <a:spcPts val="0"/>
-              </a:spcBef>
-              <a:spcAft>
-                <a:spcPts val="800"/>
-              </a:spcAft>
-            </a:pPr>
-            <a:endParaRPr lang="en-US" sz="2000" dirty="0">
               <a:solidFill>
                 <a:schemeClr val="tx1"/>
               </a:solidFill>
@@ -15712,7 +15939,7 @@
 </p:sld>
 </file>
 
-<file path=ppt/slides/slide21.xml><?xml version="1.0" encoding="utf-8"?>
+<file path=ppt/slides/slide22.xml><?xml version="1.0" encoding="utf-8"?>
 <p:sld xmlns:a="http://schemas.openxmlformats.org/drawingml/2006/main" xmlns:r="http://schemas.openxmlformats.org/officeDocument/2006/relationships" xmlns:p="http://schemas.openxmlformats.org/presentationml/2006/main">
   <p:cSld>
     <p:spTree>
@@ -15906,7 +16133,7 @@
 </p:sld>
 </file>
 
-<file path=ppt/slides/slide22.xml><?xml version="1.0" encoding="utf-8"?>
+<file path=ppt/slides/slide23.xml><?xml version="1.0" encoding="utf-8"?>
 <p:sld xmlns:a="http://schemas.openxmlformats.org/drawingml/2006/main" xmlns:r="http://schemas.openxmlformats.org/officeDocument/2006/relationships" xmlns:p="http://schemas.openxmlformats.org/presentationml/2006/main" show="0">
   <p:cSld>
     <p:spTree>
@@ -16023,11 +16250,11 @@
   <p:clrMapOvr>
     <a:masterClrMapping/>
   </p:clrMapOvr>
-  <mc:AlternateContent xmlns:mc="http://schemas.openxmlformats.org/markup-compatibility/2006">
-    <mc:Choice xmlns:p14="http://schemas.microsoft.com/office/powerpoint/2010/main" Requires="p14">
+  <mc:AlternateContent xmlns:mc="http://schemas.openxmlformats.org/markup-compatibility/2006" xmlns:p14="http://schemas.microsoft.com/office/powerpoint/2010/main">
+    <mc:Choice Requires="p14">
       <p:transition spd="slow" p14:dur="2000"/>
     </mc:Choice>
-    <mc:Fallback>
+    <mc:Fallback xmlns="">
       <p:transition spd="slow"/>
     </mc:Fallback>
   </mc:AlternateContent>
@@ -18903,7 +19130,7 @@
               <a:t> </a:t>
             </a:r>
             <a:r>
-              <a:rPr lang="en-US" sz="2200" dirty="0" err="1">
+              <a:rPr lang="en-US" sz="2200" dirty="0" err="1" smtClean="0">
                 <a:solidFill>
                   <a:schemeClr val="tx1"/>
                 </a:solidFill>
@@ -18920,127 +19147,6 @@
               <a:cs typeface="Times New Roman" panose="02020603050405020304" pitchFamily="18" charset="0"/>
             </a:endParaRPr>
           </a:p>
-          <a:p>
-            <a:pPr marL="0" lvl="1" indent="0">
-              <a:lnSpc>
-                <a:spcPct val="120000"/>
-              </a:lnSpc>
-              <a:spcAft>
-                <a:spcPts val="800"/>
-              </a:spcAft>
-              <a:buNone/>
-            </a:pPr>
-            <a:r>
-              <a:rPr lang="en-US" sz="2200" dirty="0" smtClean="0">
-                <a:solidFill>
-                  <a:schemeClr val="tx1"/>
-                </a:solidFill>
-                <a:latin typeface="Times New Roman" panose="02020603050405020304" pitchFamily="18" charset="0"/>
-                <a:cs typeface="Times New Roman" panose="02020603050405020304" pitchFamily="18" charset="0"/>
-              </a:rPr>
-              <a:t>- </a:t>
-            </a:r>
-            <a:r>
-              <a:rPr lang="en-US" sz="2200" dirty="0" err="1" smtClean="0">
-                <a:solidFill>
-                  <a:schemeClr val="tx1"/>
-                </a:solidFill>
-                <a:latin typeface="Times New Roman" panose="02020603050405020304" pitchFamily="18" charset="0"/>
-                <a:cs typeface="Times New Roman" panose="02020603050405020304" pitchFamily="18" charset="0"/>
-              </a:rPr>
-              <a:t>Chạy</a:t>
-            </a:r>
-            <a:r>
-              <a:rPr lang="en-US" sz="2200" dirty="0" smtClean="0">
-                <a:solidFill>
-                  <a:schemeClr val="tx1"/>
-                </a:solidFill>
-                <a:latin typeface="Times New Roman" panose="02020603050405020304" pitchFamily="18" charset="0"/>
-                <a:cs typeface="Times New Roman" panose="02020603050405020304" pitchFamily="18" charset="0"/>
-              </a:rPr>
-              <a:t> </a:t>
-            </a:r>
-            <a:r>
-              <a:rPr lang="en-US" sz="2200" dirty="0" err="1">
-                <a:solidFill>
-                  <a:schemeClr val="tx1"/>
-                </a:solidFill>
-                <a:latin typeface="Times New Roman" panose="02020603050405020304" pitchFamily="18" charset="0"/>
-                <a:cs typeface="Times New Roman" panose="02020603050405020304" pitchFamily="18" charset="0"/>
-              </a:rPr>
-              <a:t>mô</a:t>
-            </a:r>
-            <a:r>
-              <a:rPr lang="en-US" sz="2200" dirty="0">
-                <a:solidFill>
-                  <a:schemeClr val="tx1"/>
-                </a:solidFill>
-                <a:latin typeface="Times New Roman" panose="02020603050405020304" pitchFamily="18" charset="0"/>
-                <a:cs typeface="Times New Roman" panose="02020603050405020304" pitchFamily="18" charset="0"/>
-              </a:rPr>
-              <a:t> </a:t>
-            </a:r>
-            <a:r>
-              <a:rPr lang="en-US" sz="2200" dirty="0" err="1">
-                <a:solidFill>
-                  <a:schemeClr val="tx1"/>
-                </a:solidFill>
-                <a:latin typeface="Times New Roman" panose="02020603050405020304" pitchFamily="18" charset="0"/>
-                <a:cs typeface="Times New Roman" panose="02020603050405020304" pitchFamily="18" charset="0"/>
-              </a:rPr>
-              <a:t>hình</a:t>
-            </a:r>
-            <a:r>
-              <a:rPr lang="en-US" sz="2200" dirty="0">
-                <a:solidFill>
-                  <a:schemeClr val="tx1"/>
-                </a:solidFill>
-                <a:latin typeface="Times New Roman" panose="02020603050405020304" pitchFamily="18" charset="0"/>
-                <a:cs typeface="Times New Roman" panose="02020603050405020304" pitchFamily="18" charset="0"/>
-              </a:rPr>
-              <a:t> ở </a:t>
-            </a:r>
-            <a:r>
-              <a:rPr lang="en-US" sz="2200" dirty="0" err="1">
-                <a:solidFill>
-                  <a:schemeClr val="tx1"/>
-                </a:solidFill>
-                <a:latin typeface="Times New Roman" panose="02020603050405020304" pitchFamily="18" charset="0"/>
-                <a:cs typeface="Times New Roman" panose="02020603050405020304" pitchFamily="18" charset="0"/>
-              </a:rPr>
-              <a:t>môi</a:t>
-            </a:r>
-            <a:r>
-              <a:rPr lang="en-US" sz="2200" dirty="0">
-                <a:solidFill>
-                  <a:schemeClr val="tx1"/>
-                </a:solidFill>
-                <a:latin typeface="Times New Roman" panose="02020603050405020304" pitchFamily="18" charset="0"/>
-                <a:cs typeface="Times New Roman" panose="02020603050405020304" pitchFamily="18" charset="0"/>
-              </a:rPr>
-              <a:t> </a:t>
-            </a:r>
-            <a:r>
-              <a:rPr lang="en-US" sz="2200" dirty="0" err="1">
-                <a:solidFill>
-                  <a:schemeClr val="tx1"/>
-                </a:solidFill>
-                <a:latin typeface="Times New Roman" panose="02020603050405020304" pitchFamily="18" charset="0"/>
-                <a:cs typeface="Times New Roman" panose="02020603050405020304" pitchFamily="18" charset="0"/>
-              </a:rPr>
-              <a:t>trường</a:t>
-            </a:r>
-            <a:r>
-              <a:rPr lang="en-US" sz="2200" dirty="0">
-                <a:solidFill>
-                  <a:schemeClr val="tx1"/>
-                </a:solidFill>
-                <a:latin typeface="Times New Roman" panose="02020603050405020304" pitchFamily="18" charset="0"/>
-                <a:cs typeface="Times New Roman" panose="02020603050405020304" pitchFamily="18" charset="0"/>
-              </a:rPr>
-              <a:t> offline.</a:t>
-            </a:r>
-          </a:p>
         </p:txBody>
       </p:sp>
       <p:pic>
@@ -19048,7 +19154,7 @@
           <p:cNvPr id="4" name="Picture 3">
             <a:extLst>
               <a:ext uri="{FF2B5EF4-FFF2-40B4-BE49-F238E27FC236}">
-                <a16:creationId xmlns:a16="http://schemas.microsoft.com/office/drawing/2014/main" xmlns="" id="{B6E55DB9-0C49-4E79-A8E8-78E510D9D0C2}"/>
+                <a16:creationId xmlns="" xmlns:a16="http://schemas.microsoft.com/office/drawing/2014/main" id="{B6E55DB9-0C49-4E79-A8E8-78E510D9D0C2}"/>
               </a:ext>
             </a:extLst>
           </p:cNvPr>
@@ -19396,7 +19502,7 @@
                                 </p:cTn>
                               </p:par>
                               <p:par>
-                                <p:cTn id="27" presetID="10" presetClass="entr" presetSubtype="0" fill="hold" grpId="0" nodeType="withEffect">
+                                <p:cTn id="27" presetID="10" presetClass="entr" presetSubtype="0" fill="hold" nodeType="withEffect">
                                   <p:stCondLst>
                                     <p:cond delay="0"/>
                                   </p:stCondLst>
@@ -19404,49 +19510,6 @@
                                     <p:set>
                                       <p:cBhvr>
                                         <p:cTn id="28" dur="1" fill="hold">
-                                          <p:stCondLst>
-                                            <p:cond delay="0"/>
-                                          </p:stCondLst>
-                                        </p:cTn>
-                                        <p:tgtEl>
-                                          <p:spTgt spid="3">
-                                            <p:txEl>
-                                              <p:pRg st="6" end="6"/>
-                                            </p:txEl>
-                                          </p:spTgt>
-                                        </p:tgtEl>
-                                        <p:attrNameLst>
-                                          <p:attrName>style.visibility</p:attrName>
-                                        </p:attrNameLst>
-                                      </p:cBhvr>
-                                      <p:to>
-                                        <p:strVal val="visible"/>
-                                      </p:to>
-                                    </p:set>
-                                    <p:animEffect transition="in" filter="fade">
-                                      <p:cBhvr>
-                                        <p:cTn id="29" dur="500"/>
-                                        <p:tgtEl>
-                                          <p:spTgt spid="3">
-                                            <p:txEl>
-                                              <p:pRg st="6" end="6"/>
-                                            </p:txEl>
-                                          </p:spTgt>
-                                        </p:tgtEl>
-                                      </p:cBhvr>
-                                    </p:animEffect>
-                                  </p:childTnLst>
-                                </p:cTn>
-                              </p:par>
-                              <p:par>
-                                <p:cTn id="30" presetID="10" presetClass="entr" presetSubtype="0" fill="hold" nodeType="withEffect">
-                                  <p:stCondLst>
-                                    <p:cond delay="0"/>
-                                  </p:stCondLst>
-                                  <p:childTnLst>
-                                    <p:set>
-                                      <p:cBhvr>
-                                        <p:cTn id="31" dur="1" fill="hold">
                                           <p:stCondLst>
                                             <p:cond delay="0"/>
                                           </p:stCondLst>
@@ -19464,7 +19527,7 @@
                                     </p:set>
                                     <p:animEffect transition="in" filter="fade">
                                       <p:cBhvr>
-                                        <p:cTn id="32" dur="500"/>
+                                        <p:cTn id="29" dur="500"/>
                                         <p:tgtEl>
                                           <p:spTgt spid="4"/>
                                         </p:tgtEl>
@@ -20750,7 +20813,6 @@
               <a:rPr lang="en-US" dirty="0"/>
               <a:t>Top and bottom image encoder</a:t>
             </a:r>
-            <a:endParaRPr lang="en-US" dirty="0"/>
           </a:p>
         </p:txBody>
       </p:sp>
